--- a/002_objects/002.pptx
+++ b/002_objects/002.pptx
@@ -110,6 +110,11 @@
       </a:defRPr>
     </a:lvl9pPr>
   </p:defaultTextStyle>
+  <p:extLst>
+    <p:ext uri="{EFAFB233-063F-42B5-8137-9DF3F51BA10A}">
+      <p15:sldGuideLst xmlns:p15="http://schemas.microsoft.com/office/powerpoint/2012/main"/>
+    </p:ext>
+  </p:extLst>
 </p:presentation>
 </file>
 
@@ -195,7 +200,7 @@
           <a:p>
             <a:fld id="{A4F49293-3391-C34C-969E-60A5B4E36E78}" type="datetimeFigureOut">
               <a:rPr lang="en-US" smtClean="0"/>
-              <a:t>5/17/17</a:t>
+              <a:t>5/28/17</a:t>
             </a:fld>
             <a:endParaRPr lang="en-US"/>
           </a:p>
@@ -594,7 +599,7 @@
           <a:p>
             <a:fld id="{C5735D38-31EF-EE44-B0E1-91A8CBB0F6C0}" type="datetimeFigureOut">
               <a:rPr lang="en-US" smtClean="0"/>
-              <a:t>5/16/17</a:t>
+              <a:t>5/28/17</a:t>
             </a:fld>
             <a:endParaRPr lang="en-US"/>
           </a:p>
@@ -759,7 +764,7 @@
           <a:p>
             <a:fld id="{C5735D38-31EF-EE44-B0E1-91A8CBB0F6C0}" type="datetimeFigureOut">
               <a:rPr lang="en-US" smtClean="0"/>
-              <a:t>5/16/17</a:t>
+              <a:t>5/28/17</a:t>
             </a:fld>
             <a:endParaRPr lang="en-US"/>
           </a:p>
@@ -934,7 +939,7 @@
           <a:p>
             <a:fld id="{C5735D38-31EF-EE44-B0E1-91A8CBB0F6C0}" type="datetimeFigureOut">
               <a:rPr lang="en-US" smtClean="0"/>
-              <a:t>5/16/17</a:t>
+              <a:t>5/28/17</a:t>
             </a:fld>
             <a:endParaRPr lang="en-US"/>
           </a:p>
@@ -1099,7 +1104,7 @@
           <a:p>
             <a:fld id="{C5735D38-31EF-EE44-B0E1-91A8CBB0F6C0}" type="datetimeFigureOut">
               <a:rPr lang="en-US" smtClean="0"/>
-              <a:t>5/16/17</a:t>
+              <a:t>5/28/17</a:t>
             </a:fld>
             <a:endParaRPr lang="en-US"/>
           </a:p>
@@ -1340,7 +1345,7 @@
           <a:p>
             <a:fld id="{C5735D38-31EF-EE44-B0E1-91A8CBB0F6C0}" type="datetimeFigureOut">
               <a:rPr lang="en-US" smtClean="0"/>
-              <a:t>5/16/17</a:t>
+              <a:t>5/28/17</a:t>
             </a:fld>
             <a:endParaRPr lang="en-US"/>
           </a:p>
@@ -1567,7 +1572,7 @@
           <a:p>
             <a:fld id="{C5735D38-31EF-EE44-B0E1-91A8CBB0F6C0}" type="datetimeFigureOut">
               <a:rPr lang="en-US" smtClean="0"/>
-              <a:t>5/16/17</a:t>
+              <a:t>5/28/17</a:t>
             </a:fld>
             <a:endParaRPr lang="en-US"/>
           </a:p>
@@ -1929,7 +1934,7 @@
           <a:p>
             <a:fld id="{C5735D38-31EF-EE44-B0E1-91A8CBB0F6C0}" type="datetimeFigureOut">
               <a:rPr lang="en-US" smtClean="0"/>
-              <a:t>5/16/17</a:t>
+              <a:t>5/28/17</a:t>
             </a:fld>
             <a:endParaRPr lang="en-US"/>
           </a:p>
@@ -2042,7 +2047,7 @@
           <a:p>
             <a:fld id="{C5735D38-31EF-EE44-B0E1-91A8CBB0F6C0}" type="datetimeFigureOut">
               <a:rPr lang="en-US" smtClean="0"/>
-              <a:t>5/16/17</a:t>
+              <a:t>5/28/17</a:t>
             </a:fld>
             <a:endParaRPr lang="en-US"/>
           </a:p>
@@ -2132,7 +2137,7 @@
           <a:p>
             <a:fld id="{C5735D38-31EF-EE44-B0E1-91A8CBB0F6C0}" type="datetimeFigureOut">
               <a:rPr lang="en-US" smtClean="0"/>
-              <a:t>5/16/17</a:t>
+              <a:t>5/28/17</a:t>
             </a:fld>
             <a:endParaRPr lang="en-US"/>
           </a:p>
@@ -2404,7 +2409,7 @@
           <a:p>
             <a:fld id="{C5735D38-31EF-EE44-B0E1-91A8CBB0F6C0}" type="datetimeFigureOut">
               <a:rPr lang="en-US" smtClean="0"/>
-              <a:t>5/16/17</a:t>
+              <a:t>5/28/17</a:t>
             </a:fld>
             <a:endParaRPr lang="en-US"/>
           </a:p>
@@ -2656,7 +2661,7 @@
           <a:p>
             <a:fld id="{C5735D38-31EF-EE44-B0E1-91A8CBB0F6C0}" type="datetimeFigureOut">
               <a:rPr lang="en-US" smtClean="0"/>
-              <a:t>5/16/17</a:t>
+              <a:t>5/28/17</a:t>
             </a:fld>
             <a:endParaRPr lang="en-US"/>
           </a:p>
@@ -2864,7 +2869,7 @@
           <a:p>
             <a:fld id="{C5735D38-31EF-EE44-B0E1-91A8CBB0F6C0}" type="datetimeFigureOut">
               <a:rPr lang="en-US" smtClean="0"/>
-              <a:t>5/16/17</a:t>
+              <a:t>5/28/17</a:t>
             </a:fld>
             <a:endParaRPr lang="en-US"/>
           </a:p>
@@ -5651,2267 +5656,6 @@
       </p:sp>
       <p:sp>
         <p:nvSpPr>
-          <p:cNvPr id="5" name="Rectangle 4"/>
-          <p:cNvSpPr/>
-          <p:nvPr/>
-        </p:nvSpPr>
-        <p:spPr>
-          <a:xfrm>
-            <a:off x="6841067" y="0"/>
-            <a:ext cx="5350933" cy="7032694"/>
-          </a:xfrm>
-          <a:prstGeom prst="rect">
-            <a:avLst/>
-          </a:prstGeom>
-        </p:spPr>
-        <p:txBody>
-          <a:bodyPr wrap="square">
-            <a:spAutoFit/>
-          </a:bodyPr>
-          <a:lstStyle/>
-          <a:p>
-            <a:endParaRPr lang="en-US" sz="1100" b="0" dirty="0" smtClean="0">
-              <a:solidFill>
-                <a:srgbClr val="56B6C2"/>
-              </a:solidFill>
-              <a:effectLst/>
-              <a:latin typeface="Menlo" charset="0"/>
-            </a:endParaRPr>
-          </a:p>
-          <a:p>
-            <a:r>
-              <a:rPr lang="en-US" sz="1100" b="0" dirty="0" smtClean="0">
-                <a:solidFill>
-                  <a:srgbClr val="56B6C2"/>
-                </a:solidFill>
-                <a:effectLst/>
-                <a:latin typeface="Menlo" charset="0"/>
-              </a:rPr>
-              <a:t>let</a:t>
-            </a:r>
-            <a:r>
-              <a:rPr lang="en-US" sz="1100" b="0" dirty="0" smtClean="0">
-                <a:solidFill>
-                  <a:srgbClr val="ABB2BF"/>
-                </a:solidFill>
-                <a:effectLst/>
-                <a:latin typeface="Menlo" charset="0"/>
-              </a:rPr>
-              <a:t> </a:t>
-            </a:r>
-            <a:r>
-              <a:rPr lang="en-US" sz="1100" b="0" dirty="0" err="1" smtClean="0">
-                <a:solidFill>
-                  <a:srgbClr val="ABB2BF"/>
-                </a:solidFill>
-                <a:effectLst/>
-                <a:latin typeface="Menlo" charset="0"/>
-              </a:rPr>
-              <a:t>a_thing_can_be_a_boolean</a:t>
-            </a:r>
-            <a:r>
-              <a:rPr lang="en-US" sz="1100" b="0" dirty="0" smtClean="0">
-                <a:solidFill>
-                  <a:srgbClr val="ABB2BF"/>
-                </a:solidFill>
-                <a:effectLst/>
-                <a:latin typeface="Menlo" charset="0"/>
-              </a:rPr>
-              <a:t> </a:t>
-            </a:r>
-            <a:r>
-              <a:rPr lang="en-US" sz="1100" b="0" dirty="0" smtClean="0">
-                <a:solidFill>
-                  <a:srgbClr val="E06C75"/>
-                </a:solidFill>
-                <a:effectLst/>
-                <a:latin typeface="Menlo" charset="0"/>
-              </a:rPr>
-              <a:t>=</a:t>
-            </a:r>
-            <a:r>
-              <a:rPr lang="en-US" sz="1100" b="0" dirty="0" smtClean="0">
-                <a:solidFill>
-                  <a:srgbClr val="ABB2BF"/>
-                </a:solidFill>
-                <a:effectLst/>
-                <a:latin typeface="Menlo" charset="0"/>
-              </a:rPr>
-              <a:t> </a:t>
-            </a:r>
-            <a:r>
-              <a:rPr lang="en-US" sz="1100" b="0" dirty="0" smtClean="0">
-                <a:solidFill>
-                  <a:srgbClr val="61AFEF"/>
-                </a:solidFill>
-                <a:effectLst/>
-                <a:latin typeface="Menlo" charset="0"/>
-              </a:rPr>
-              <a:t>Boolean</a:t>
-            </a:r>
-            <a:r>
-              <a:rPr lang="en-US" sz="1100" b="0" dirty="0" smtClean="0">
-                <a:solidFill>
-                  <a:srgbClr val="ABB2BF"/>
-                </a:solidFill>
-                <a:effectLst/>
-                <a:latin typeface="Menlo" charset="0"/>
-              </a:rPr>
-              <a:t>() </a:t>
-            </a:r>
-          </a:p>
-          <a:p>
-            <a:r>
-              <a:rPr lang="en-US" sz="1100" b="0" dirty="0" smtClean="0">
-                <a:solidFill>
-                  <a:srgbClr val="ABB2BF"/>
-                </a:solidFill>
-                <a:effectLst/>
-                <a:latin typeface="Menlo" charset="0"/>
-              </a:rPr>
-              <a:t>  x </a:t>
-            </a:r>
-            <a:r>
-              <a:rPr lang="en-US" sz="1100" b="0" dirty="0" smtClean="0">
-                <a:solidFill>
-                  <a:srgbClr val="E06C75"/>
-                </a:solidFill>
-                <a:effectLst/>
-                <a:latin typeface="Menlo" charset="0"/>
-              </a:rPr>
-              <a:t>=</a:t>
-            </a:r>
-            <a:r>
-              <a:rPr lang="en-US" sz="1100" b="0" dirty="0" smtClean="0">
-                <a:solidFill>
-                  <a:srgbClr val="ABB2BF"/>
-                </a:solidFill>
-                <a:effectLst/>
-                <a:latin typeface="Menlo" charset="0"/>
-              </a:rPr>
-              <a:t> </a:t>
-            </a:r>
-            <a:r>
-              <a:rPr lang="en-US" sz="1100" b="0" dirty="0" smtClean="0">
-                <a:solidFill>
-                  <a:srgbClr val="56B6C2"/>
-                </a:solidFill>
-                <a:effectLst/>
-                <a:latin typeface="Menlo" charset="0"/>
-              </a:rPr>
-              <a:t>true</a:t>
-            </a:r>
-            <a:endParaRPr lang="en-US" sz="1100" b="0" dirty="0" smtClean="0">
-              <a:solidFill>
-                <a:srgbClr val="ABB2BF"/>
-              </a:solidFill>
-              <a:effectLst/>
-              <a:latin typeface="Menlo" charset="0"/>
-            </a:endParaRPr>
-          </a:p>
-          <a:p>
-            <a:r>
-              <a:rPr lang="en-US" sz="1100" b="0" dirty="0" smtClean="0">
-                <a:solidFill>
-                  <a:srgbClr val="ABB2BF"/>
-                </a:solidFill>
-                <a:effectLst/>
-                <a:latin typeface="Menlo" charset="0"/>
-              </a:rPr>
-              <a:t>  x </a:t>
-            </a:r>
-            <a:r>
-              <a:rPr lang="en-US" sz="1100" b="0" dirty="0" smtClean="0">
-                <a:solidFill>
-                  <a:srgbClr val="E06C75"/>
-                </a:solidFill>
-                <a:effectLst/>
-                <a:latin typeface="Menlo" charset="0"/>
-              </a:rPr>
-              <a:t>=</a:t>
-            </a:r>
-            <a:r>
-              <a:rPr lang="en-US" sz="1100" b="0" dirty="0" smtClean="0">
-                <a:solidFill>
-                  <a:srgbClr val="ABB2BF"/>
-                </a:solidFill>
-                <a:effectLst/>
-                <a:latin typeface="Menlo" charset="0"/>
-              </a:rPr>
-              <a:t> </a:t>
-            </a:r>
-            <a:r>
-              <a:rPr lang="en-US" sz="1100" b="0" dirty="0" smtClean="0">
-                <a:solidFill>
-                  <a:srgbClr val="56B6C2"/>
-                </a:solidFill>
-                <a:effectLst/>
-                <a:latin typeface="Menlo" charset="0"/>
-              </a:rPr>
-              <a:t>false</a:t>
-            </a:r>
-            <a:endParaRPr lang="en-US" sz="1100" b="0" dirty="0" smtClean="0">
-              <a:solidFill>
-                <a:srgbClr val="ABB2BF"/>
-              </a:solidFill>
-              <a:effectLst/>
-              <a:latin typeface="Menlo" charset="0"/>
-            </a:endParaRPr>
-          </a:p>
-          <a:p>
-            <a:r>
-              <a:rPr lang="en-US" sz="1100" b="0" dirty="0" smtClean="0">
-                <a:solidFill>
-                  <a:srgbClr val="ABB2BF"/>
-                </a:solidFill>
-                <a:effectLst/>
-                <a:latin typeface="Menlo" charset="0"/>
-              </a:rPr>
-              <a:t/>
-            </a:r>
-            <a:br>
-              <a:rPr lang="en-US" sz="1100" b="0" dirty="0" smtClean="0">
-                <a:solidFill>
-                  <a:srgbClr val="ABB2BF"/>
-                </a:solidFill>
-                <a:effectLst/>
-                <a:latin typeface="Menlo" charset="0"/>
-              </a:rPr>
-            </a:br>
-            <a:r>
-              <a:rPr lang="en-US" sz="1100" b="0" dirty="0" smtClean="0">
-                <a:solidFill>
-                  <a:srgbClr val="56B6C2"/>
-                </a:solidFill>
-                <a:effectLst/>
-                <a:latin typeface="Menlo" charset="0"/>
-              </a:rPr>
-              <a:t>let</a:t>
-            </a:r>
-            <a:r>
-              <a:rPr lang="en-US" sz="1100" b="0" dirty="0" smtClean="0">
-                <a:solidFill>
-                  <a:srgbClr val="ABB2BF"/>
-                </a:solidFill>
-                <a:effectLst/>
-                <a:latin typeface="Menlo" charset="0"/>
-              </a:rPr>
-              <a:t> </a:t>
-            </a:r>
-            <a:r>
-              <a:rPr lang="en-US" sz="1100" b="0" dirty="0" err="1" smtClean="0">
-                <a:solidFill>
-                  <a:srgbClr val="ABB2BF"/>
-                </a:solidFill>
-                <a:effectLst/>
-                <a:latin typeface="Menlo" charset="0"/>
-              </a:rPr>
-              <a:t>a_thing_can_be_a_number</a:t>
-            </a:r>
-            <a:r>
-              <a:rPr lang="en-US" sz="1100" b="0" dirty="0" smtClean="0">
-                <a:solidFill>
-                  <a:srgbClr val="ABB2BF"/>
-                </a:solidFill>
-                <a:effectLst/>
-                <a:latin typeface="Menlo" charset="0"/>
-              </a:rPr>
-              <a:t> </a:t>
-            </a:r>
-            <a:r>
-              <a:rPr lang="en-US" sz="1100" b="0" dirty="0" smtClean="0">
-                <a:solidFill>
-                  <a:srgbClr val="E06C75"/>
-                </a:solidFill>
-                <a:effectLst/>
-                <a:latin typeface="Menlo" charset="0"/>
-              </a:rPr>
-              <a:t>=</a:t>
-            </a:r>
-            <a:r>
-              <a:rPr lang="en-US" sz="1100" b="0" dirty="0" smtClean="0">
-                <a:solidFill>
-                  <a:srgbClr val="ABB2BF"/>
-                </a:solidFill>
-                <a:effectLst/>
-                <a:latin typeface="Menlo" charset="0"/>
-              </a:rPr>
-              <a:t> </a:t>
-            </a:r>
-            <a:r>
-              <a:rPr lang="en-US" sz="1100" b="0" dirty="0" smtClean="0">
-                <a:solidFill>
-                  <a:srgbClr val="61AFEF"/>
-                </a:solidFill>
-                <a:effectLst/>
-                <a:latin typeface="Menlo" charset="0"/>
-              </a:rPr>
-              <a:t>Number</a:t>
-            </a:r>
-            <a:r>
-              <a:rPr lang="en-US" sz="1100" b="0" dirty="0" smtClean="0">
-                <a:solidFill>
-                  <a:srgbClr val="ABB2BF"/>
-                </a:solidFill>
-                <a:effectLst/>
-                <a:latin typeface="Menlo" charset="0"/>
-              </a:rPr>
-              <a:t>() </a:t>
-            </a:r>
-          </a:p>
-          <a:p>
-            <a:r>
-              <a:rPr lang="en-US" sz="1100" b="0" dirty="0" smtClean="0">
-                <a:solidFill>
-                  <a:srgbClr val="ABB2BF"/>
-                </a:solidFill>
-                <a:effectLst/>
-                <a:latin typeface="Menlo" charset="0"/>
-              </a:rPr>
-              <a:t>  x </a:t>
-            </a:r>
-            <a:r>
-              <a:rPr lang="en-US" sz="1100" b="0" dirty="0" smtClean="0">
-                <a:solidFill>
-                  <a:srgbClr val="E06C75"/>
-                </a:solidFill>
-                <a:effectLst/>
-                <a:latin typeface="Menlo" charset="0"/>
-              </a:rPr>
-              <a:t>=</a:t>
-            </a:r>
-            <a:r>
-              <a:rPr lang="en-US" sz="1100" b="0" dirty="0" smtClean="0">
-                <a:solidFill>
-                  <a:srgbClr val="ABB2BF"/>
-                </a:solidFill>
-                <a:effectLst/>
-                <a:latin typeface="Menlo" charset="0"/>
-              </a:rPr>
-              <a:t> </a:t>
-            </a:r>
-            <a:r>
-              <a:rPr lang="en-US" sz="1100" b="0" dirty="0" smtClean="0">
-                <a:solidFill>
-                  <a:srgbClr val="C678DD"/>
-                </a:solidFill>
-                <a:effectLst/>
-                <a:latin typeface="Menlo" charset="0"/>
-              </a:rPr>
-              <a:t>10</a:t>
-            </a:r>
-            <a:endParaRPr lang="en-US" sz="1100" b="0" dirty="0" smtClean="0">
-              <a:solidFill>
-                <a:srgbClr val="ABB2BF"/>
-              </a:solidFill>
-              <a:effectLst/>
-              <a:latin typeface="Menlo" charset="0"/>
-            </a:endParaRPr>
-          </a:p>
-          <a:p>
-            <a:r>
-              <a:rPr lang="en-US" sz="1100" b="0" dirty="0" smtClean="0">
-                <a:solidFill>
-                  <a:srgbClr val="ABB2BF"/>
-                </a:solidFill>
-                <a:effectLst/>
-                <a:latin typeface="Menlo" charset="0"/>
-              </a:rPr>
-              <a:t>  x </a:t>
-            </a:r>
-            <a:r>
-              <a:rPr lang="en-US" sz="1100" b="0" dirty="0" smtClean="0">
-                <a:solidFill>
-                  <a:srgbClr val="E06C75"/>
-                </a:solidFill>
-                <a:effectLst/>
-                <a:latin typeface="Menlo" charset="0"/>
-              </a:rPr>
-              <a:t>=</a:t>
-            </a:r>
-            <a:r>
-              <a:rPr lang="en-US" sz="1100" b="0" dirty="0" smtClean="0">
-                <a:solidFill>
-                  <a:srgbClr val="ABB2BF"/>
-                </a:solidFill>
-                <a:effectLst/>
-                <a:latin typeface="Menlo" charset="0"/>
-              </a:rPr>
-              <a:t> </a:t>
-            </a:r>
-            <a:r>
-              <a:rPr lang="en-US" sz="1100" b="0" dirty="0" smtClean="0">
-                <a:solidFill>
-                  <a:srgbClr val="C678DD"/>
-                </a:solidFill>
-                <a:effectLst/>
-                <a:latin typeface="Menlo" charset="0"/>
-              </a:rPr>
-              <a:t>3.276</a:t>
-            </a:r>
-            <a:endParaRPr lang="en-US" sz="1100" b="0" dirty="0" smtClean="0">
-              <a:solidFill>
-                <a:srgbClr val="ABB2BF"/>
-              </a:solidFill>
-              <a:effectLst/>
-              <a:latin typeface="Menlo" charset="0"/>
-            </a:endParaRPr>
-          </a:p>
-          <a:p>
-            <a:r>
-              <a:rPr lang="en-US" sz="1100" b="0" dirty="0" smtClean="0">
-                <a:solidFill>
-                  <a:srgbClr val="ABB2BF"/>
-                </a:solidFill>
-                <a:effectLst/>
-                <a:latin typeface="Menlo" charset="0"/>
-              </a:rPr>
-              <a:t>  x </a:t>
-            </a:r>
-            <a:r>
-              <a:rPr lang="en-US" sz="1100" b="0" dirty="0" smtClean="0">
-                <a:solidFill>
-                  <a:srgbClr val="E06C75"/>
-                </a:solidFill>
-                <a:effectLst/>
-                <a:latin typeface="Menlo" charset="0"/>
-              </a:rPr>
-              <a:t>=</a:t>
-            </a:r>
-            <a:r>
-              <a:rPr lang="en-US" sz="1100" b="0" dirty="0" smtClean="0">
-                <a:solidFill>
-                  <a:srgbClr val="ABB2BF"/>
-                </a:solidFill>
-                <a:effectLst/>
-                <a:latin typeface="Menlo" charset="0"/>
-              </a:rPr>
-              <a:t> </a:t>
-            </a:r>
-            <a:r>
-              <a:rPr lang="en-US" sz="1100" b="0" dirty="0" smtClean="0">
-                <a:solidFill>
-                  <a:srgbClr val="E06C75"/>
-                </a:solidFill>
-                <a:effectLst/>
-                <a:latin typeface="Menlo" charset="0"/>
-              </a:rPr>
-              <a:t>-</a:t>
-            </a:r>
-            <a:r>
-              <a:rPr lang="en-US" sz="1100" b="0" dirty="0" smtClean="0">
-                <a:solidFill>
-                  <a:srgbClr val="C678DD"/>
-                </a:solidFill>
-                <a:effectLst/>
-                <a:latin typeface="Menlo" charset="0"/>
-              </a:rPr>
-              <a:t>12</a:t>
-            </a:r>
-            <a:endParaRPr lang="en-US" sz="1100" b="0" dirty="0" smtClean="0">
-              <a:solidFill>
-                <a:srgbClr val="ABB2BF"/>
-              </a:solidFill>
-              <a:effectLst/>
-              <a:latin typeface="Menlo" charset="0"/>
-            </a:endParaRPr>
-          </a:p>
-          <a:p>
-            <a:r>
-              <a:rPr lang="en-US" sz="1100" b="0" dirty="0" smtClean="0">
-                <a:solidFill>
-                  <a:srgbClr val="ABB2BF"/>
-                </a:solidFill>
-                <a:effectLst/>
-                <a:latin typeface="Menlo" charset="0"/>
-              </a:rPr>
-              <a:t/>
-            </a:r>
-            <a:br>
-              <a:rPr lang="en-US" sz="1100" b="0" dirty="0" smtClean="0">
-                <a:solidFill>
-                  <a:srgbClr val="ABB2BF"/>
-                </a:solidFill>
-                <a:effectLst/>
-                <a:latin typeface="Menlo" charset="0"/>
-              </a:rPr>
-            </a:br>
-            <a:r>
-              <a:rPr lang="en-US" sz="1100" b="0" dirty="0" smtClean="0">
-                <a:solidFill>
-                  <a:srgbClr val="56B6C2"/>
-                </a:solidFill>
-                <a:effectLst/>
-                <a:latin typeface="Menlo" charset="0"/>
-              </a:rPr>
-              <a:t>let</a:t>
-            </a:r>
-            <a:r>
-              <a:rPr lang="en-US" sz="1100" b="0" dirty="0" smtClean="0">
-                <a:solidFill>
-                  <a:srgbClr val="ABB2BF"/>
-                </a:solidFill>
-                <a:effectLst/>
-                <a:latin typeface="Menlo" charset="0"/>
-              </a:rPr>
-              <a:t> </a:t>
-            </a:r>
-            <a:r>
-              <a:rPr lang="en-US" sz="1100" b="0" dirty="0" err="1" smtClean="0">
-                <a:solidFill>
-                  <a:srgbClr val="ABB2BF"/>
-                </a:solidFill>
-                <a:effectLst/>
-                <a:latin typeface="Menlo" charset="0"/>
-              </a:rPr>
-              <a:t>a_thing_can_be_a_string</a:t>
-            </a:r>
-            <a:r>
-              <a:rPr lang="en-US" sz="1100" b="0" dirty="0" smtClean="0">
-                <a:solidFill>
-                  <a:srgbClr val="ABB2BF"/>
-                </a:solidFill>
-                <a:effectLst/>
-                <a:latin typeface="Menlo" charset="0"/>
-              </a:rPr>
-              <a:t> </a:t>
-            </a:r>
-            <a:r>
-              <a:rPr lang="en-US" sz="1100" b="0" dirty="0" smtClean="0">
-                <a:solidFill>
-                  <a:srgbClr val="E06C75"/>
-                </a:solidFill>
-                <a:effectLst/>
-                <a:latin typeface="Menlo" charset="0"/>
-              </a:rPr>
-              <a:t>=</a:t>
-            </a:r>
-            <a:r>
-              <a:rPr lang="en-US" sz="1100" b="0" dirty="0" smtClean="0">
-                <a:solidFill>
-                  <a:srgbClr val="ABB2BF"/>
-                </a:solidFill>
-                <a:effectLst/>
-                <a:latin typeface="Menlo" charset="0"/>
-              </a:rPr>
-              <a:t> </a:t>
-            </a:r>
-            <a:r>
-              <a:rPr lang="en-US" sz="1100" b="0" dirty="0" smtClean="0">
-                <a:solidFill>
-                  <a:srgbClr val="61AFEF"/>
-                </a:solidFill>
-                <a:effectLst/>
-                <a:latin typeface="Menlo" charset="0"/>
-              </a:rPr>
-              <a:t>String</a:t>
-            </a:r>
-            <a:r>
-              <a:rPr lang="en-US" sz="1100" b="0" dirty="0" smtClean="0">
-                <a:solidFill>
-                  <a:srgbClr val="ABB2BF"/>
-                </a:solidFill>
-                <a:effectLst/>
-                <a:latin typeface="Menlo" charset="0"/>
-              </a:rPr>
-              <a:t>()</a:t>
-            </a:r>
-          </a:p>
-          <a:p>
-            <a:r>
-              <a:rPr lang="en-US" sz="1100" b="0" dirty="0" smtClean="0">
-                <a:solidFill>
-                  <a:srgbClr val="ABB2BF"/>
-                </a:solidFill>
-                <a:effectLst/>
-                <a:latin typeface="Menlo" charset="0"/>
-              </a:rPr>
-              <a:t>  x </a:t>
-            </a:r>
-            <a:r>
-              <a:rPr lang="en-US" sz="1100" b="0" dirty="0" smtClean="0">
-                <a:solidFill>
-                  <a:srgbClr val="E06C75"/>
-                </a:solidFill>
-                <a:effectLst/>
-                <a:latin typeface="Menlo" charset="0"/>
-              </a:rPr>
-              <a:t>=</a:t>
-            </a:r>
-            <a:r>
-              <a:rPr lang="en-US" sz="1100" b="0" dirty="0" smtClean="0">
-                <a:solidFill>
-                  <a:srgbClr val="ABB2BF"/>
-                </a:solidFill>
-                <a:effectLst/>
-                <a:latin typeface="Menlo" charset="0"/>
-              </a:rPr>
-              <a:t> </a:t>
-            </a:r>
-            <a:r>
-              <a:rPr lang="en-US" sz="1100" b="0" dirty="0" smtClean="0">
-                <a:solidFill>
-                  <a:srgbClr val="E5C07B"/>
-                </a:solidFill>
-                <a:effectLst/>
-                <a:latin typeface="Menlo" charset="0"/>
-              </a:rPr>
-              <a:t>"Something in double quotes"</a:t>
-            </a:r>
-            <a:endParaRPr lang="en-US" sz="1100" b="0" dirty="0" smtClean="0">
-              <a:solidFill>
-                <a:srgbClr val="ABB2BF"/>
-              </a:solidFill>
-              <a:effectLst/>
-              <a:latin typeface="Menlo" charset="0"/>
-            </a:endParaRPr>
-          </a:p>
-          <a:p>
-            <a:r>
-              <a:rPr lang="en-US" sz="1100" b="0" dirty="0" smtClean="0">
-                <a:solidFill>
-                  <a:srgbClr val="ABB2BF"/>
-                </a:solidFill>
-                <a:effectLst/>
-                <a:latin typeface="Menlo" charset="0"/>
-              </a:rPr>
-              <a:t>  x </a:t>
-            </a:r>
-            <a:r>
-              <a:rPr lang="en-US" sz="1100" b="0" dirty="0" smtClean="0">
-                <a:solidFill>
-                  <a:srgbClr val="E06C75"/>
-                </a:solidFill>
-                <a:effectLst/>
-                <a:latin typeface="Menlo" charset="0"/>
-              </a:rPr>
-              <a:t>=</a:t>
-            </a:r>
-            <a:r>
-              <a:rPr lang="en-US" sz="1100" b="0" dirty="0" smtClean="0">
-                <a:solidFill>
-                  <a:srgbClr val="ABB2BF"/>
-                </a:solidFill>
-                <a:effectLst/>
-                <a:latin typeface="Menlo" charset="0"/>
-              </a:rPr>
-              <a:t> </a:t>
-            </a:r>
-            <a:r>
-              <a:rPr lang="en-US" sz="1100" b="0" dirty="0" smtClean="0">
-                <a:solidFill>
-                  <a:srgbClr val="E5C07B"/>
-                </a:solidFill>
-                <a:effectLst/>
-                <a:latin typeface="Menlo" charset="0"/>
-              </a:rPr>
-              <a:t>'or single quotes'</a:t>
-            </a:r>
-            <a:endParaRPr lang="en-US" sz="1100" b="0" dirty="0" smtClean="0">
-              <a:solidFill>
-                <a:srgbClr val="ABB2BF"/>
-              </a:solidFill>
-              <a:effectLst/>
-              <a:latin typeface="Menlo" charset="0"/>
-            </a:endParaRPr>
-          </a:p>
-          <a:p>
-            <a:r>
-              <a:rPr lang="en-US" sz="1100" b="0" dirty="0" smtClean="0">
-                <a:solidFill>
-                  <a:srgbClr val="ABB2BF"/>
-                </a:solidFill>
-                <a:effectLst/>
-                <a:latin typeface="Menlo" charset="0"/>
-              </a:rPr>
-              <a:t>  x </a:t>
-            </a:r>
-            <a:r>
-              <a:rPr lang="en-US" sz="1100" b="0" dirty="0" smtClean="0">
-                <a:solidFill>
-                  <a:srgbClr val="E06C75"/>
-                </a:solidFill>
-                <a:effectLst/>
-                <a:latin typeface="Menlo" charset="0"/>
-              </a:rPr>
-              <a:t>=</a:t>
-            </a:r>
-            <a:r>
-              <a:rPr lang="en-US" sz="1100" b="0" dirty="0" smtClean="0">
-                <a:solidFill>
-                  <a:srgbClr val="ABB2BF"/>
-                </a:solidFill>
-                <a:effectLst/>
-                <a:latin typeface="Menlo" charset="0"/>
-              </a:rPr>
-              <a:t> </a:t>
-            </a:r>
-            <a:r>
-              <a:rPr lang="en-US" sz="1100" b="0" dirty="0" smtClean="0">
-                <a:solidFill>
-                  <a:srgbClr val="E5C07B"/>
-                </a:solidFill>
-                <a:effectLst/>
-                <a:latin typeface="Menlo" charset="0"/>
-              </a:rPr>
-              <a:t>'!#^$%#!.'</a:t>
-            </a:r>
-            <a:endParaRPr lang="en-US" sz="1100" b="0" dirty="0" smtClean="0">
-              <a:solidFill>
-                <a:srgbClr val="ABB2BF"/>
-              </a:solidFill>
-              <a:effectLst/>
-              <a:latin typeface="Menlo" charset="0"/>
-            </a:endParaRPr>
-          </a:p>
-          <a:p>
-            <a:r>
-              <a:rPr lang="en-US" sz="1100" b="0" dirty="0" smtClean="0">
-                <a:solidFill>
-                  <a:srgbClr val="ABB2BF"/>
-                </a:solidFill>
-                <a:effectLst/>
-                <a:latin typeface="Menlo" charset="0"/>
-              </a:rPr>
-              <a:t>  x </a:t>
-            </a:r>
-            <a:r>
-              <a:rPr lang="en-US" sz="1100" b="0" dirty="0" smtClean="0">
-                <a:solidFill>
-                  <a:srgbClr val="E06C75"/>
-                </a:solidFill>
-                <a:effectLst/>
-                <a:latin typeface="Menlo" charset="0"/>
-              </a:rPr>
-              <a:t>=</a:t>
-            </a:r>
-            <a:r>
-              <a:rPr lang="en-US" sz="1100" b="0" dirty="0" smtClean="0">
-                <a:solidFill>
-                  <a:srgbClr val="ABB2BF"/>
-                </a:solidFill>
-                <a:effectLst/>
-                <a:latin typeface="Menlo" charset="0"/>
-              </a:rPr>
-              <a:t> </a:t>
-            </a:r>
-            <a:r>
-              <a:rPr lang="en-US" sz="1100" b="0" dirty="0" smtClean="0">
-                <a:solidFill>
-                  <a:srgbClr val="E5C07B"/>
-                </a:solidFill>
-                <a:effectLst/>
-                <a:latin typeface="Menlo" charset="0"/>
-              </a:rPr>
-              <a:t>"82"</a:t>
-            </a:r>
-            <a:endParaRPr lang="en-US" sz="1100" b="0" dirty="0" smtClean="0">
-              <a:solidFill>
-                <a:srgbClr val="ABB2BF"/>
-              </a:solidFill>
-              <a:effectLst/>
-              <a:latin typeface="Menlo" charset="0"/>
-            </a:endParaRPr>
-          </a:p>
-          <a:p>
-            <a:r>
-              <a:rPr lang="en-US" sz="1100" b="0" dirty="0" smtClean="0">
-                <a:solidFill>
-                  <a:srgbClr val="ABB2BF"/>
-                </a:solidFill>
-                <a:effectLst/>
-                <a:latin typeface="Menlo" charset="0"/>
-              </a:rPr>
-              <a:t/>
-            </a:r>
-            <a:br>
-              <a:rPr lang="en-US" sz="1100" b="0" dirty="0" smtClean="0">
-                <a:solidFill>
-                  <a:srgbClr val="ABB2BF"/>
-                </a:solidFill>
-                <a:effectLst/>
-                <a:latin typeface="Menlo" charset="0"/>
-              </a:rPr>
-            </a:br>
-            <a:r>
-              <a:rPr lang="en-US" sz="1100" b="0" dirty="0" smtClean="0">
-                <a:solidFill>
-                  <a:srgbClr val="56B6C2"/>
-                </a:solidFill>
-                <a:effectLst/>
-                <a:latin typeface="Menlo" charset="0"/>
-              </a:rPr>
-              <a:t>let</a:t>
-            </a:r>
-            <a:r>
-              <a:rPr lang="en-US" sz="1100" b="0" dirty="0" smtClean="0">
-                <a:solidFill>
-                  <a:srgbClr val="ABB2BF"/>
-                </a:solidFill>
-                <a:effectLst/>
-                <a:latin typeface="Menlo" charset="0"/>
-              </a:rPr>
-              <a:t> </a:t>
-            </a:r>
-            <a:r>
-              <a:rPr lang="en-US" sz="1100" b="0" dirty="0" err="1" smtClean="0">
-                <a:solidFill>
-                  <a:srgbClr val="ABB2BF"/>
-                </a:solidFill>
-                <a:effectLst/>
-                <a:latin typeface="Menlo" charset="0"/>
-              </a:rPr>
-              <a:t>a_thing_can_be_an_array</a:t>
-            </a:r>
-            <a:r>
-              <a:rPr lang="en-US" sz="1100" b="0" dirty="0" smtClean="0">
-                <a:solidFill>
-                  <a:srgbClr val="ABB2BF"/>
-                </a:solidFill>
-                <a:effectLst/>
-                <a:latin typeface="Menlo" charset="0"/>
-              </a:rPr>
-              <a:t> </a:t>
-            </a:r>
-            <a:r>
-              <a:rPr lang="en-US" sz="1100" b="0" dirty="0" smtClean="0">
-                <a:solidFill>
-                  <a:srgbClr val="E06C75"/>
-                </a:solidFill>
-                <a:effectLst/>
-                <a:latin typeface="Menlo" charset="0"/>
-              </a:rPr>
-              <a:t>=</a:t>
-            </a:r>
-            <a:r>
-              <a:rPr lang="en-US" sz="1100" b="0" dirty="0" smtClean="0">
-                <a:solidFill>
-                  <a:srgbClr val="ABB2BF"/>
-                </a:solidFill>
-                <a:effectLst/>
-                <a:latin typeface="Menlo" charset="0"/>
-              </a:rPr>
-              <a:t> </a:t>
-            </a:r>
-            <a:r>
-              <a:rPr lang="en-US" sz="1100" b="0" dirty="0" smtClean="0">
-                <a:solidFill>
-                  <a:srgbClr val="61AFEF"/>
-                </a:solidFill>
-                <a:effectLst/>
-                <a:latin typeface="Menlo" charset="0"/>
-              </a:rPr>
-              <a:t>Array</a:t>
-            </a:r>
-            <a:r>
-              <a:rPr lang="en-US" sz="1100" b="0" dirty="0" smtClean="0">
-                <a:solidFill>
-                  <a:srgbClr val="ABB2BF"/>
-                </a:solidFill>
-                <a:effectLst/>
-                <a:latin typeface="Menlo" charset="0"/>
-              </a:rPr>
-              <a:t>()</a:t>
-            </a:r>
-          </a:p>
-          <a:p>
-            <a:r>
-              <a:rPr lang="en-US" sz="1100" b="0" dirty="0" smtClean="0">
-                <a:solidFill>
-                  <a:srgbClr val="ABB2BF"/>
-                </a:solidFill>
-                <a:effectLst/>
-                <a:latin typeface="Menlo" charset="0"/>
-              </a:rPr>
-              <a:t>  x </a:t>
-            </a:r>
-            <a:r>
-              <a:rPr lang="en-US" sz="1100" b="0" dirty="0" smtClean="0">
-                <a:solidFill>
-                  <a:srgbClr val="E06C75"/>
-                </a:solidFill>
-                <a:effectLst/>
-                <a:latin typeface="Menlo" charset="0"/>
-              </a:rPr>
-              <a:t>=</a:t>
-            </a:r>
-            <a:r>
-              <a:rPr lang="en-US" sz="1100" b="0" dirty="0" smtClean="0">
-                <a:solidFill>
-                  <a:srgbClr val="ABB2BF"/>
-                </a:solidFill>
-                <a:effectLst/>
-                <a:latin typeface="Menlo" charset="0"/>
-              </a:rPr>
-              <a:t> [</a:t>
-            </a:r>
-            <a:r>
-              <a:rPr lang="en-US" sz="1100" b="0" dirty="0" smtClean="0">
-                <a:solidFill>
-                  <a:srgbClr val="E5C07B"/>
-                </a:solidFill>
-                <a:effectLst/>
-                <a:latin typeface="Menlo" charset="0"/>
-              </a:rPr>
-              <a:t>"</a:t>
-            </a:r>
-            <a:r>
-              <a:rPr lang="en-US" sz="1100" b="0" dirty="0" err="1" smtClean="0">
-                <a:solidFill>
-                  <a:srgbClr val="E5C07B"/>
-                </a:solidFill>
-                <a:effectLst/>
-                <a:latin typeface="Menlo" charset="0"/>
-              </a:rPr>
-              <a:t>A"</a:t>
-            </a:r>
-            <a:r>
-              <a:rPr lang="en-US" sz="1100" b="0" dirty="0" err="1" smtClean="0">
-                <a:solidFill>
-                  <a:srgbClr val="ABB2BF"/>
-                </a:solidFill>
-                <a:effectLst/>
-                <a:latin typeface="Menlo" charset="0"/>
-              </a:rPr>
-              <a:t>,</a:t>
-            </a:r>
-            <a:r>
-              <a:rPr lang="en-US" sz="1100" b="0" dirty="0" err="1" smtClean="0">
-                <a:solidFill>
-                  <a:srgbClr val="E5C07B"/>
-                </a:solidFill>
-                <a:effectLst/>
-                <a:latin typeface="Menlo" charset="0"/>
-              </a:rPr>
-              <a:t>"Collection</a:t>
-            </a:r>
-            <a:r>
-              <a:rPr lang="en-US" sz="1100" b="0" dirty="0" smtClean="0">
-                <a:solidFill>
-                  <a:srgbClr val="E5C07B"/>
-                </a:solidFill>
-                <a:effectLst/>
-                <a:latin typeface="Menlo" charset="0"/>
-              </a:rPr>
-              <a:t>"</a:t>
-            </a:r>
-            <a:r>
-              <a:rPr lang="en-US" sz="1100" b="0" dirty="0" smtClean="0">
-                <a:solidFill>
-                  <a:srgbClr val="ABB2BF"/>
-                </a:solidFill>
-                <a:effectLst/>
-                <a:latin typeface="Menlo" charset="0"/>
-              </a:rPr>
-              <a:t>, </a:t>
-            </a:r>
-            <a:r>
-              <a:rPr lang="en-US" sz="1100" b="0" dirty="0" smtClean="0">
-                <a:solidFill>
-                  <a:srgbClr val="E5C07B"/>
-                </a:solidFill>
-                <a:effectLst/>
-                <a:latin typeface="Menlo" charset="0"/>
-              </a:rPr>
-              <a:t>"of"</a:t>
-            </a:r>
-            <a:r>
-              <a:rPr lang="en-US" sz="1100" b="0" dirty="0" smtClean="0">
-                <a:solidFill>
-                  <a:srgbClr val="ABB2BF"/>
-                </a:solidFill>
-                <a:effectLst/>
-                <a:latin typeface="Menlo" charset="0"/>
-              </a:rPr>
-              <a:t>, </a:t>
-            </a:r>
-            <a:r>
-              <a:rPr lang="en-US" sz="1100" b="0" dirty="0" smtClean="0">
-                <a:solidFill>
-                  <a:srgbClr val="E5C07B"/>
-                </a:solidFill>
-                <a:effectLst/>
-                <a:latin typeface="Menlo" charset="0"/>
-              </a:rPr>
-              <a:t>"Multiple"</a:t>
-            </a:r>
-            <a:r>
-              <a:rPr lang="en-US" sz="1100" b="0" dirty="0" smtClean="0">
-                <a:solidFill>
-                  <a:srgbClr val="ABB2BF"/>
-                </a:solidFill>
-                <a:effectLst/>
-                <a:latin typeface="Menlo" charset="0"/>
-              </a:rPr>
-              <a:t>, </a:t>
-            </a:r>
-            <a:r>
-              <a:rPr lang="en-US" sz="1100" b="0" dirty="0" smtClean="0">
-                <a:solidFill>
-                  <a:srgbClr val="E5C07B"/>
-                </a:solidFill>
-                <a:effectLst/>
-                <a:latin typeface="Menlo" charset="0"/>
-              </a:rPr>
-              <a:t>"Things"</a:t>
-            </a:r>
-            <a:r>
-              <a:rPr lang="en-US" sz="1100" b="0" dirty="0" smtClean="0">
-                <a:solidFill>
-                  <a:srgbClr val="ABB2BF"/>
-                </a:solidFill>
-                <a:effectLst/>
-                <a:latin typeface="Menlo" charset="0"/>
-              </a:rPr>
-              <a:t>]</a:t>
-            </a:r>
-          </a:p>
-          <a:p>
-            <a:r>
-              <a:rPr lang="en-US" sz="1100" b="0" dirty="0" smtClean="0">
-                <a:solidFill>
-                  <a:srgbClr val="ABB2BF"/>
-                </a:solidFill>
-                <a:effectLst/>
-                <a:latin typeface="Menlo" charset="0"/>
-              </a:rPr>
-              <a:t>  x </a:t>
-            </a:r>
-            <a:r>
-              <a:rPr lang="en-US" sz="1100" b="0" dirty="0" smtClean="0">
-                <a:solidFill>
-                  <a:srgbClr val="E06C75"/>
-                </a:solidFill>
-                <a:effectLst/>
-                <a:latin typeface="Menlo" charset="0"/>
-              </a:rPr>
-              <a:t>=</a:t>
-            </a:r>
-            <a:r>
-              <a:rPr lang="en-US" sz="1100" b="0" dirty="0" smtClean="0">
-                <a:solidFill>
-                  <a:srgbClr val="ABB2BF"/>
-                </a:solidFill>
-                <a:effectLst/>
-                <a:latin typeface="Menlo" charset="0"/>
-              </a:rPr>
-              <a:t> [ ]</a:t>
-            </a:r>
-          </a:p>
-          <a:p>
-            <a:r>
-              <a:rPr lang="en-US" sz="1100" b="0" dirty="0" smtClean="0">
-                <a:solidFill>
-                  <a:srgbClr val="ABB2BF"/>
-                </a:solidFill>
-                <a:effectLst/>
-                <a:latin typeface="Menlo" charset="0"/>
-              </a:rPr>
-              <a:t>  x </a:t>
-            </a:r>
-            <a:r>
-              <a:rPr lang="en-US" sz="1100" b="0" dirty="0" smtClean="0">
-                <a:solidFill>
-                  <a:srgbClr val="E06C75"/>
-                </a:solidFill>
-                <a:effectLst/>
-                <a:latin typeface="Menlo" charset="0"/>
-              </a:rPr>
-              <a:t>=</a:t>
-            </a:r>
-            <a:r>
-              <a:rPr lang="en-US" sz="1100" b="0" dirty="0" smtClean="0">
-                <a:solidFill>
-                  <a:srgbClr val="ABB2BF"/>
-                </a:solidFill>
-                <a:effectLst/>
-                <a:latin typeface="Menlo" charset="0"/>
-              </a:rPr>
-              <a:t> [</a:t>
-            </a:r>
-            <a:r>
-              <a:rPr lang="en-US" sz="1100" b="0" dirty="0" smtClean="0">
-                <a:solidFill>
-                  <a:srgbClr val="C678DD"/>
-                </a:solidFill>
-                <a:effectLst/>
-                <a:latin typeface="Menlo" charset="0"/>
-              </a:rPr>
-              <a:t>123</a:t>
-            </a:r>
-            <a:r>
-              <a:rPr lang="en-US" sz="1100" b="0" dirty="0" smtClean="0">
-                <a:solidFill>
-                  <a:srgbClr val="ABB2BF"/>
-                </a:solidFill>
-                <a:effectLst/>
-                <a:latin typeface="Menlo" charset="0"/>
-              </a:rPr>
-              <a:t>, </a:t>
-            </a:r>
-            <a:r>
-              <a:rPr lang="en-US" sz="1100" b="0" dirty="0" smtClean="0">
-                <a:solidFill>
-                  <a:srgbClr val="56B6C2"/>
-                </a:solidFill>
-                <a:effectLst/>
-                <a:latin typeface="Menlo" charset="0"/>
-              </a:rPr>
-              <a:t>false</a:t>
-            </a:r>
-            <a:r>
-              <a:rPr lang="en-US" sz="1100" b="0" dirty="0" smtClean="0">
-                <a:solidFill>
-                  <a:srgbClr val="ABB2BF"/>
-                </a:solidFill>
-                <a:effectLst/>
-                <a:latin typeface="Menlo" charset="0"/>
-              </a:rPr>
-              <a:t>, </a:t>
-            </a:r>
-            <a:r>
-              <a:rPr lang="en-US" sz="1100" b="0" dirty="0" smtClean="0">
-                <a:solidFill>
-                  <a:srgbClr val="E5C07B"/>
-                </a:solidFill>
-                <a:effectLst/>
-                <a:latin typeface="Menlo" charset="0"/>
-              </a:rPr>
-              <a:t>"HELLO!"</a:t>
-            </a:r>
-            <a:r>
-              <a:rPr lang="en-US" sz="1100" b="0" dirty="0" smtClean="0">
-                <a:solidFill>
-                  <a:srgbClr val="ABB2BF"/>
-                </a:solidFill>
-                <a:effectLst/>
-                <a:latin typeface="Menlo" charset="0"/>
-              </a:rPr>
-              <a:t>]</a:t>
-            </a:r>
-          </a:p>
-          <a:p>
-            <a:r>
-              <a:rPr lang="en-US" sz="1100" b="0" dirty="0" smtClean="0">
-                <a:solidFill>
-                  <a:srgbClr val="ABB2BF"/>
-                </a:solidFill>
-                <a:effectLst/>
-                <a:latin typeface="Menlo" charset="0"/>
-              </a:rPr>
-              <a:t/>
-            </a:r>
-            <a:br>
-              <a:rPr lang="en-US" sz="1100" b="0" dirty="0" smtClean="0">
-                <a:solidFill>
-                  <a:srgbClr val="ABB2BF"/>
-                </a:solidFill>
-                <a:effectLst/>
-                <a:latin typeface="Menlo" charset="0"/>
-              </a:rPr>
-            </a:br>
-            <a:r>
-              <a:rPr lang="en-US" sz="1100" b="0" dirty="0" smtClean="0">
-                <a:solidFill>
-                  <a:srgbClr val="56B6C2"/>
-                </a:solidFill>
-                <a:effectLst/>
-                <a:latin typeface="Menlo" charset="0"/>
-              </a:rPr>
-              <a:t>let</a:t>
-            </a:r>
-            <a:r>
-              <a:rPr lang="en-US" sz="1100" b="0" dirty="0" smtClean="0">
-                <a:solidFill>
-                  <a:srgbClr val="ABB2BF"/>
-                </a:solidFill>
-                <a:effectLst/>
-                <a:latin typeface="Menlo" charset="0"/>
-              </a:rPr>
-              <a:t> </a:t>
-            </a:r>
-            <a:r>
-              <a:rPr lang="en-US" sz="1100" b="0" dirty="0" err="1" smtClean="0">
-                <a:solidFill>
-                  <a:srgbClr val="ABB2BF"/>
-                </a:solidFill>
-                <a:effectLst/>
-                <a:latin typeface="Menlo" charset="0"/>
-              </a:rPr>
-              <a:t>a_thing_can_be_an_object</a:t>
-            </a:r>
-            <a:r>
-              <a:rPr lang="en-US" sz="1100" b="0" dirty="0" smtClean="0">
-                <a:solidFill>
-                  <a:srgbClr val="ABB2BF"/>
-                </a:solidFill>
-                <a:effectLst/>
-                <a:latin typeface="Menlo" charset="0"/>
-              </a:rPr>
-              <a:t> </a:t>
-            </a:r>
-            <a:r>
-              <a:rPr lang="en-US" sz="1100" b="0" dirty="0" smtClean="0">
-                <a:solidFill>
-                  <a:srgbClr val="E06C75"/>
-                </a:solidFill>
-                <a:effectLst/>
-                <a:latin typeface="Menlo" charset="0"/>
-              </a:rPr>
-              <a:t>=</a:t>
-            </a:r>
-            <a:r>
-              <a:rPr lang="en-US" sz="1100" b="0" dirty="0" smtClean="0">
-                <a:solidFill>
-                  <a:srgbClr val="ABB2BF"/>
-                </a:solidFill>
-                <a:effectLst/>
-                <a:latin typeface="Menlo" charset="0"/>
-              </a:rPr>
-              <a:t> </a:t>
-            </a:r>
-            <a:r>
-              <a:rPr lang="en-US" sz="1100" b="0" dirty="0" smtClean="0">
-                <a:solidFill>
-                  <a:srgbClr val="61AFEF"/>
-                </a:solidFill>
-                <a:effectLst/>
-                <a:latin typeface="Menlo" charset="0"/>
-              </a:rPr>
-              <a:t>Object</a:t>
-            </a:r>
-            <a:r>
-              <a:rPr lang="en-US" sz="1100" b="0" dirty="0" smtClean="0">
-                <a:solidFill>
-                  <a:srgbClr val="ABB2BF"/>
-                </a:solidFill>
-                <a:effectLst/>
-                <a:latin typeface="Menlo" charset="0"/>
-              </a:rPr>
-              <a:t>()</a:t>
-            </a:r>
-          </a:p>
-          <a:p>
-            <a:r>
-              <a:rPr lang="en-US" sz="1100" b="0" dirty="0" smtClean="0">
-                <a:solidFill>
-                  <a:srgbClr val="ABB2BF"/>
-                </a:solidFill>
-                <a:effectLst/>
-                <a:latin typeface="Menlo" charset="0"/>
-              </a:rPr>
-              <a:t>  x </a:t>
-            </a:r>
-            <a:r>
-              <a:rPr lang="en-US" sz="1100" b="0" dirty="0" smtClean="0">
-                <a:solidFill>
-                  <a:srgbClr val="E06C75"/>
-                </a:solidFill>
-                <a:effectLst/>
-                <a:latin typeface="Menlo" charset="0"/>
-              </a:rPr>
-              <a:t>=</a:t>
-            </a:r>
-            <a:r>
-              <a:rPr lang="en-US" sz="1100" b="0" dirty="0" smtClean="0">
-                <a:solidFill>
-                  <a:srgbClr val="ABB2BF"/>
-                </a:solidFill>
-                <a:effectLst/>
-                <a:latin typeface="Menlo" charset="0"/>
-              </a:rPr>
-              <a:t> { key: </a:t>
-            </a:r>
-            <a:r>
-              <a:rPr lang="en-US" sz="1100" b="0" dirty="0" smtClean="0">
-                <a:solidFill>
-                  <a:srgbClr val="E5C07B"/>
-                </a:solidFill>
-                <a:effectLst/>
-                <a:latin typeface="Menlo" charset="0"/>
-              </a:rPr>
-              <a:t>"value"</a:t>
-            </a:r>
-            <a:r>
-              <a:rPr lang="en-US" sz="1100" b="0" dirty="0" smtClean="0">
-                <a:solidFill>
-                  <a:srgbClr val="ABB2BF"/>
-                </a:solidFill>
-                <a:effectLst/>
-                <a:latin typeface="Menlo" charset="0"/>
-              </a:rPr>
-              <a:t> }</a:t>
-            </a:r>
-          </a:p>
-          <a:p>
-            <a:r>
-              <a:rPr lang="en-US" sz="1100" b="0" dirty="0" smtClean="0">
-                <a:solidFill>
-                  <a:srgbClr val="ABB2BF"/>
-                </a:solidFill>
-                <a:effectLst/>
-                <a:latin typeface="Menlo" charset="0"/>
-              </a:rPr>
-              <a:t>  x </a:t>
-            </a:r>
-            <a:r>
-              <a:rPr lang="en-US" sz="1100" b="0" dirty="0" smtClean="0">
-                <a:solidFill>
-                  <a:srgbClr val="E06C75"/>
-                </a:solidFill>
-                <a:effectLst/>
-                <a:latin typeface="Menlo" charset="0"/>
-              </a:rPr>
-              <a:t>=</a:t>
-            </a:r>
-            <a:r>
-              <a:rPr lang="en-US" sz="1100" b="0" dirty="0" smtClean="0">
-                <a:solidFill>
-                  <a:srgbClr val="ABB2BF"/>
-                </a:solidFill>
-                <a:effectLst/>
-                <a:latin typeface="Menlo" charset="0"/>
-              </a:rPr>
-              <a:t> { </a:t>
-            </a:r>
-          </a:p>
-          <a:p>
-            <a:r>
-              <a:rPr lang="en-US" sz="1100" b="0" dirty="0" smtClean="0">
-                <a:solidFill>
-                  <a:srgbClr val="ABB2BF"/>
-                </a:solidFill>
-                <a:effectLst/>
-                <a:latin typeface="Menlo" charset="0"/>
-              </a:rPr>
-              <a:t>    key1: </a:t>
-            </a:r>
-            <a:r>
-              <a:rPr lang="en-US" sz="1100" b="0" dirty="0" smtClean="0">
-                <a:solidFill>
-                  <a:srgbClr val="E5C07B"/>
-                </a:solidFill>
-                <a:effectLst/>
-                <a:latin typeface="Menlo" charset="0"/>
-              </a:rPr>
-              <a:t>"value1"</a:t>
-            </a:r>
-            <a:r>
-              <a:rPr lang="en-US" sz="1100" b="0" dirty="0" smtClean="0">
-                <a:solidFill>
-                  <a:srgbClr val="ABB2BF"/>
-                </a:solidFill>
-                <a:effectLst/>
-                <a:latin typeface="Menlo" charset="0"/>
-              </a:rPr>
-              <a:t>, </a:t>
-            </a:r>
-          </a:p>
-          <a:p>
-            <a:r>
-              <a:rPr lang="en-US" sz="1100" b="0" dirty="0" smtClean="0">
-                <a:solidFill>
-                  <a:srgbClr val="ABB2BF"/>
-                </a:solidFill>
-                <a:effectLst/>
-                <a:latin typeface="Menlo" charset="0"/>
-              </a:rPr>
-              <a:t>    key2: </a:t>
-            </a:r>
-            <a:r>
-              <a:rPr lang="en-US" sz="1100" b="0" dirty="0" smtClean="0">
-                <a:solidFill>
-                  <a:srgbClr val="C678DD"/>
-                </a:solidFill>
-                <a:effectLst/>
-                <a:latin typeface="Menlo" charset="0"/>
-              </a:rPr>
-              <a:t>123801</a:t>
-            </a:r>
-            <a:r>
-              <a:rPr lang="en-US" sz="1100" b="0" dirty="0" smtClean="0">
-                <a:solidFill>
-                  <a:srgbClr val="ABB2BF"/>
-                </a:solidFill>
-                <a:effectLst/>
-                <a:latin typeface="Menlo" charset="0"/>
-              </a:rPr>
-              <a:t>,</a:t>
-            </a:r>
-          </a:p>
-          <a:p>
-            <a:r>
-              <a:rPr lang="en-US" sz="1100" b="0" dirty="0" smtClean="0">
-                <a:solidFill>
-                  <a:srgbClr val="ABB2BF"/>
-                </a:solidFill>
-                <a:effectLst/>
-                <a:latin typeface="Menlo" charset="0"/>
-              </a:rPr>
-              <a:t>    </a:t>
-            </a:r>
-            <a:r>
-              <a:rPr lang="en-US" sz="1100" b="0" dirty="0" err="1" smtClean="0">
-                <a:solidFill>
-                  <a:srgbClr val="ABB2BF"/>
-                </a:solidFill>
-                <a:effectLst/>
-                <a:latin typeface="Menlo" charset="0"/>
-              </a:rPr>
-              <a:t>something_else</a:t>
-            </a:r>
-            <a:r>
-              <a:rPr lang="en-US" sz="1100" b="0" dirty="0" smtClean="0">
-                <a:solidFill>
-                  <a:srgbClr val="ABB2BF"/>
-                </a:solidFill>
-                <a:effectLst/>
-                <a:latin typeface="Menlo" charset="0"/>
-              </a:rPr>
-              <a:t>: {another: </a:t>
-            </a:r>
-            <a:r>
-              <a:rPr lang="en-US" sz="1100" b="0" dirty="0" smtClean="0">
-                <a:solidFill>
-                  <a:srgbClr val="E5C07B"/>
-                </a:solidFill>
-                <a:effectLst/>
-                <a:latin typeface="Menlo" charset="0"/>
-              </a:rPr>
-              <a:t>"object"</a:t>
-            </a:r>
-            <a:r>
-              <a:rPr lang="en-US" sz="1100" b="0" dirty="0" smtClean="0">
-                <a:solidFill>
-                  <a:srgbClr val="ABB2BF"/>
-                </a:solidFill>
-                <a:effectLst/>
-                <a:latin typeface="Menlo" charset="0"/>
-              </a:rPr>
-              <a:t>}</a:t>
-            </a:r>
-          </a:p>
-          <a:p>
-            <a:r>
-              <a:rPr lang="en-US" sz="1100" b="0" dirty="0" smtClean="0">
-                <a:solidFill>
-                  <a:srgbClr val="ABB2BF"/>
-                </a:solidFill>
-                <a:effectLst/>
-                <a:latin typeface="Menlo" charset="0"/>
-              </a:rPr>
-              <a:t>  }</a:t>
-            </a:r>
-          </a:p>
-          <a:p>
-            <a:r>
-              <a:rPr lang="en-US" sz="1100" b="0" dirty="0" smtClean="0">
-                <a:solidFill>
-                  <a:srgbClr val="ABB2BF"/>
-                </a:solidFill>
-                <a:effectLst/>
-                <a:latin typeface="Menlo" charset="0"/>
-              </a:rPr>
-              <a:t>  x </a:t>
-            </a:r>
-            <a:r>
-              <a:rPr lang="en-US" sz="1100" b="0" dirty="0" smtClean="0">
-                <a:solidFill>
-                  <a:srgbClr val="E06C75"/>
-                </a:solidFill>
-                <a:effectLst/>
-                <a:latin typeface="Menlo" charset="0"/>
-              </a:rPr>
-              <a:t>=</a:t>
-            </a:r>
-            <a:r>
-              <a:rPr lang="en-US" sz="1100" b="0" dirty="0" smtClean="0">
-                <a:solidFill>
-                  <a:srgbClr val="ABB2BF"/>
-                </a:solidFill>
-                <a:effectLst/>
-                <a:latin typeface="Menlo" charset="0"/>
-              </a:rPr>
-              <a:t> { </a:t>
-            </a:r>
-          </a:p>
-          <a:p>
-            <a:r>
-              <a:rPr lang="en-US" sz="1100" b="0" dirty="0" smtClean="0">
-                <a:solidFill>
-                  <a:srgbClr val="98C379"/>
-                </a:solidFill>
-                <a:effectLst/>
-                <a:latin typeface="Menlo" charset="0"/>
-              </a:rPr>
-              <a:t>    </a:t>
-            </a:r>
-            <a:r>
-              <a:rPr lang="en-US" sz="1100" b="0" dirty="0" err="1" smtClean="0">
-                <a:solidFill>
-                  <a:srgbClr val="98C379"/>
-                </a:solidFill>
-                <a:effectLst/>
-                <a:latin typeface="Menlo" charset="0"/>
-              </a:rPr>
-              <a:t>a_function</a:t>
-            </a:r>
-            <a:r>
-              <a:rPr lang="en-US" sz="1100" b="0" dirty="0" smtClean="0">
-                <a:solidFill>
-                  <a:srgbClr val="ABB2BF"/>
-                </a:solidFill>
-                <a:effectLst/>
-                <a:latin typeface="Menlo" charset="0"/>
-              </a:rPr>
-              <a:t>: (</a:t>
-            </a:r>
-            <a:r>
-              <a:rPr lang="en-US" sz="1100" b="0" i="1" dirty="0" smtClean="0">
-                <a:solidFill>
-                  <a:srgbClr val="D19A66"/>
-                </a:solidFill>
-                <a:effectLst/>
-                <a:latin typeface="Menlo" charset="0"/>
-              </a:rPr>
-              <a:t>x</a:t>
-            </a:r>
-            <a:r>
-              <a:rPr lang="en-US" sz="1100" b="0" dirty="0" smtClean="0">
-                <a:solidFill>
-                  <a:srgbClr val="ABB2BF"/>
-                </a:solidFill>
-                <a:effectLst/>
-                <a:latin typeface="Menlo" charset="0"/>
-              </a:rPr>
-              <a:t>) </a:t>
-            </a:r>
-            <a:r>
-              <a:rPr lang="en-US" sz="1100" b="0" dirty="0" smtClean="0">
-                <a:solidFill>
-                  <a:srgbClr val="56B6C2"/>
-                </a:solidFill>
-                <a:effectLst/>
-                <a:latin typeface="Menlo" charset="0"/>
-              </a:rPr>
-              <a:t>=&gt;</a:t>
-            </a:r>
-            <a:r>
-              <a:rPr lang="en-US" sz="1100" b="0" dirty="0" smtClean="0">
-                <a:solidFill>
-                  <a:srgbClr val="ABB2BF"/>
-                </a:solidFill>
-                <a:effectLst/>
-                <a:latin typeface="Menlo" charset="0"/>
-              </a:rPr>
-              <a:t> x</a:t>
-            </a:r>
-            <a:r>
-              <a:rPr lang="en-US" sz="1100" b="0" dirty="0" smtClean="0">
-                <a:solidFill>
-                  <a:srgbClr val="E06C75"/>
-                </a:solidFill>
-                <a:effectLst/>
-                <a:latin typeface="Menlo" charset="0"/>
-              </a:rPr>
-              <a:t>+</a:t>
-            </a:r>
-            <a:r>
-              <a:rPr lang="en-US" sz="1100" b="0" dirty="0" smtClean="0">
-                <a:solidFill>
-                  <a:srgbClr val="C678DD"/>
-                </a:solidFill>
-                <a:effectLst/>
-                <a:latin typeface="Menlo" charset="0"/>
-              </a:rPr>
-              <a:t>1</a:t>
-            </a:r>
-            <a:r>
-              <a:rPr lang="en-US" sz="1100" b="0" dirty="0" smtClean="0">
-                <a:solidFill>
-                  <a:srgbClr val="ABB2BF"/>
-                </a:solidFill>
-                <a:effectLst/>
-                <a:latin typeface="Menlo" charset="0"/>
-              </a:rPr>
-              <a:t>,</a:t>
-            </a:r>
-          </a:p>
-          <a:p>
-            <a:r>
-              <a:rPr lang="en-US" sz="1100" b="0" dirty="0" smtClean="0">
-                <a:solidFill>
-                  <a:srgbClr val="ABB2BF"/>
-                </a:solidFill>
-                <a:effectLst/>
-                <a:latin typeface="Menlo" charset="0"/>
-              </a:rPr>
-              <a:t>    </a:t>
-            </a:r>
-            <a:r>
-              <a:rPr lang="en-US" sz="1100" b="0" dirty="0" err="1" smtClean="0">
-                <a:solidFill>
-                  <a:srgbClr val="ABB2BF"/>
-                </a:solidFill>
-                <a:effectLst/>
-                <a:latin typeface="Menlo" charset="0"/>
-              </a:rPr>
-              <a:t>another_key</a:t>
-            </a:r>
-            <a:r>
-              <a:rPr lang="en-US" sz="1100" b="0" dirty="0" smtClean="0">
-                <a:solidFill>
-                  <a:srgbClr val="ABB2BF"/>
-                </a:solidFill>
-                <a:effectLst/>
-                <a:latin typeface="Menlo" charset="0"/>
-              </a:rPr>
-              <a:t>: [</a:t>
-            </a:r>
-            <a:r>
-              <a:rPr lang="en-US" sz="1100" b="0" dirty="0" smtClean="0">
-                <a:solidFill>
-                  <a:srgbClr val="E5C07B"/>
-                </a:solidFill>
-                <a:effectLst/>
-                <a:latin typeface="Menlo" charset="0"/>
-              </a:rPr>
-              <a:t>"Some"</a:t>
-            </a:r>
-            <a:r>
-              <a:rPr lang="en-US" sz="1100" b="0" dirty="0" smtClean="0">
-                <a:solidFill>
-                  <a:srgbClr val="ABB2BF"/>
-                </a:solidFill>
-                <a:effectLst/>
-                <a:latin typeface="Menlo" charset="0"/>
-              </a:rPr>
-              <a:t>, </a:t>
-            </a:r>
-            <a:r>
-              <a:rPr lang="en-US" sz="1100" b="0" dirty="0" smtClean="0">
-                <a:solidFill>
-                  <a:srgbClr val="E5C07B"/>
-                </a:solidFill>
-                <a:effectLst/>
-                <a:latin typeface="Menlo" charset="0"/>
-              </a:rPr>
-              <a:t>"Value"</a:t>
-            </a:r>
-            <a:r>
-              <a:rPr lang="en-US" sz="1100" b="0" dirty="0" smtClean="0">
-                <a:solidFill>
-                  <a:srgbClr val="ABB2BF"/>
-                </a:solidFill>
-                <a:effectLst/>
-                <a:latin typeface="Menlo" charset="0"/>
-              </a:rPr>
-              <a:t>]</a:t>
-            </a:r>
-          </a:p>
-          <a:p>
-            <a:r>
-              <a:rPr lang="en-US" sz="1100" b="0" dirty="0" smtClean="0">
-                <a:solidFill>
-                  <a:srgbClr val="ABB2BF"/>
-                </a:solidFill>
-                <a:effectLst/>
-                <a:latin typeface="Menlo" charset="0"/>
-              </a:rPr>
-              <a:t>  }</a:t>
-            </a:r>
-          </a:p>
-          <a:p>
-            <a:r>
-              <a:rPr lang="en-US" sz="1100" b="0" dirty="0" smtClean="0">
-                <a:solidFill>
-                  <a:srgbClr val="ABB2BF"/>
-                </a:solidFill>
-                <a:effectLst/>
-                <a:latin typeface="Menlo" charset="0"/>
-              </a:rPr>
-              <a:t/>
-            </a:r>
-            <a:br>
-              <a:rPr lang="en-US" sz="1100" b="0" dirty="0" smtClean="0">
-                <a:solidFill>
-                  <a:srgbClr val="ABB2BF"/>
-                </a:solidFill>
-                <a:effectLst/>
-                <a:latin typeface="Menlo" charset="0"/>
-              </a:rPr>
-            </a:br>
-            <a:r>
-              <a:rPr lang="en-US" sz="1100" b="0" dirty="0" smtClean="0">
-                <a:solidFill>
-                  <a:srgbClr val="56B6C2"/>
-                </a:solidFill>
-                <a:effectLst/>
-                <a:latin typeface="Menlo" charset="0"/>
-              </a:rPr>
-              <a:t>let</a:t>
-            </a:r>
-            <a:r>
-              <a:rPr lang="en-US" sz="1100" b="0" dirty="0" smtClean="0">
-                <a:solidFill>
-                  <a:srgbClr val="ABB2BF"/>
-                </a:solidFill>
-                <a:effectLst/>
-                <a:latin typeface="Menlo" charset="0"/>
-              </a:rPr>
-              <a:t> </a:t>
-            </a:r>
-            <a:r>
-              <a:rPr lang="en-US" sz="1100" b="0" dirty="0" err="1" smtClean="0">
-                <a:solidFill>
-                  <a:srgbClr val="ABB2BF"/>
-                </a:solidFill>
-                <a:effectLst/>
-                <a:latin typeface="Menlo" charset="0"/>
-              </a:rPr>
-              <a:t>a_thing_can_be_a_function</a:t>
-            </a:r>
-            <a:r>
-              <a:rPr lang="en-US" sz="1100" b="0" dirty="0" smtClean="0">
-                <a:solidFill>
-                  <a:srgbClr val="ABB2BF"/>
-                </a:solidFill>
-                <a:effectLst/>
-                <a:latin typeface="Menlo" charset="0"/>
-              </a:rPr>
-              <a:t> </a:t>
-            </a:r>
-            <a:r>
-              <a:rPr lang="en-US" sz="1100" b="0" dirty="0" smtClean="0">
-                <a:solidFill>
-                  <a:srgbClr val="E06C75"/>
-                </a:solidFill>
-                <a:effectLst/>
-                <a:latin typeface="Menlo" charset="0"/>
-              </a:rPr>
-              <a:t>=</a:t>
-            </a:r>
-            <a:r>
-              <a:rPr lang="en-US" sz="1100" b="0" dirty="0" smtClean="0">
-                <a:solidFill>
-                  <a:srgbClr val="ABB2BF"/>
-                </a:solidFill>
-                <a:effectLst/>
-                <a:latin typeface="Menlo" charset="0"/>
-              </a:rPr>
-              <a:t> </a:t>
-            </a:r>
-            <a:r>
-              <a:rPr lang="en-US" sz="1100" b="0" dirty="0" smtClean="0">
-                <a:solidFill>
-                  <a:srgbClr val="61AFEF"/>
-                </a:solidFill>
-                <a:effectLst/>
-                <a:latin typeface="Menlo" charset="0"/>
-              </a:rPr>
-              <a:t>Function</a:t>
-            </a:r>
-            <a:r>
-              <a:rPr lang="en-US" sz="1100" b="0" dirty="0" smtClean="0">
-                <a:solidFill>
-                  <a:srgbClr val="ABB2BF"/>
-                </a:solidFill>
-                <a:effectLst/>
-                <a:latin typeface="Menlo" charset="0"/>
-              </a:rPr>
-              <a:t>()</a:t>
-            </a:r>
-          </a:p>
-          <a:p>
-            <a:r>
-              <a:rPr lang="en-US" sz="1100" b="0" dirty="0" smtClean="0">
-                <a:solidFill>
-                  <a:srgbClr val="98C379"/>
-                </a:solidFill>
-                <a:effectLst/>
-                <a:latin typeface="Menlo" charset="0"/>
-              </a:rPr>
-              <a:t>  x</a:t>
-            </a:r>
-            <a:r>
-              <a:rPr lang="en-US" sz="1100" b="0" dirty="0" smtClean="0">
-                <a:solidFill>
-                  <a:srgbClr val="ABB2BF"/>
-                </a:solidFill>
-                <a:effectLst/>
-                <a:latin typeface="Menlo" charset="0"/>
-              </a:rPr>
-              <a:t> </a:t>
-            </a:r>
-            <a:r>
-              <a:rPr lang="en-US" sz="1100" b="0" dirty="0" smtClean="0">
-                <a:solidFill>
-                  <a:srgbClr val="E06C75"/>
-                </a:solidFill>
-                <a:effectLst/>
-                <a:latin typeface="Menlo" charset="0"/>
-              </a:rPr>
-              <a:t>=</a:t>
-            </a:r>
-            <a:r>
-              <a:rPr lang="en-US" sz="1100" b="0" dirty="0" smtClean="0">
-                <a:solidFill>
-                  <a:srgbClr val="ABB2BF"/>
-                </a:solidFill>
-                <a:effectLst/>
-                <a:latin typeface="Menlo" charset="0"/>
-              </a:rPr>
-              <a:t> </a:t>
-            </a:r>
-            <a:r>
-              <a:rPr lang="en-US" sz="1100" b="0" i="1" dirty="0" smtClean="0">
-                <a:solidFill>
-                  <a:srgbClr val="D19A66"/>
-                </a:solidFill>
-                <a:effectLst/>
-                <a:latin typeface="Menlo" charset="0"/>
-              </a:rPr>
-              <a:t>input</a:t>
-            </a:r>
-            <a:r>
-              <a:rPr lang="en-US" sz="1100" b="0" dirty="0" smtClean="0">
-                <a:solidFill>
-                  <a:srgbClr val="ABB2BF"/>
-                </a:solidFill>
-                <a:effectLst/>
-                <a:latin typeface="Menlo" charset="0"/>
-              </a:rPr>
-              <a:t> </a:t>
-            </a:r>
-            <a:r>
-              <a:rPr lang="en-US" sz="1100" b="0" dirty="0" smtClean="0">
-                <a:solidFill>
-                  <a:srgbClr val="56B6C2"/>
-                </a:solidFill>
-                <a:effectLst/>
-                <a:latin typeface="Menlo" charset="0"/>
-              </a:rPr>
-              <a:t>=&gt;</a:t>
-            </a:r>
-            <a:r>
-              <a:rPr lang="en-US" sz="1100" b="0" dirty="0" smtClean="0">
-                <a:solidFill>
-                  <a:srgbClr val="ABB2BF"/>
-                </a:solidFill>
-                <a:effectLst/>
-                <a:latin typeface="Menlo" charset="0"/>
-              </a:rPr>
-              <a:t> input </a:t>
-            </a:r>
-            <a:r>
-              <a:rPr lang="en-US" sz="1100" b="0" dirty="0" smtClean="0">
-                <a:solidFill>
-                  <a:srgbClr val="E06C75"/>
-                </a:solidFill>
-                <a:effectLst/>
-                <a:latin typeface="Menlo" charset="0"/>
-              </a:rPr>
-              <a:t>+</a:t>
-            </a:r>
-            <a:r>
-              <a:rPr lang="en-US" sz="1100" b="0" dirty="0" smtClean="0">
-                <a:solidFill>
-                  <a:srgbClr val="ABB2BF"/>
-                </a:solidFill>
-                <a:effectLst/>
-                <a:latin typeface="Menlo" charset="0"/>
-              </a:rPr>
-              <a:t> </a:t>
-            </a:r>
-            <a:r>
-              <a:rPr lang="en-US" sz="1100" b="0" dirty="0" smtClean="0">
-                <a:solidFill>
-                  <a:srgbClr val="E5C07B"/>
-                </a:solidFill>
-                <a:effectLst/>
-                <a:latin typeface="Menlo" charset="0"/>
-              </a:rPr>
-              <a:t>":) Hello"</a:t>
-            </a:r>
-            <a:endParaRPr lang="en-US" sz="1100" b="0" dirty="0" smtClean="0">
-              <a:solidFill>
-                <a:srgbClr val="ABB2BF"/>
-              </a:solidFill>
-              <a:effectLst/>
-              <a:latin typeface="Menlo" charset="0"/>
-            </a:endParaRPr>
-          </a:p>
-          <a:p>
-            <a:r>
-              <a:rPr lang="en-US" sz="1100" b="0" dirty="0" smtClean="0">
-                <a:solidFill>
-                  <a:srgbClr val="98C379"/>
-                </a:solidFill>
-                <a:effectLst/>
-                <a:latin typeface="Menlo" charset="0"/>
-              </a:rPr>
-              <a:t>  x</a:t>
-            </a:r>
-            <a:r>
-              <a:rPr lang="en-US" sz="1100" b="0" dirty="0" smtClean="0">
-                <a:solidFill>
-                  <a:srgbClr val="ABB2BF"/>
-                </a:solidFill>
-                <a:effectLst/>
-                <a:latin typeface="Menlo" charset="0"/>
-              </a:rPr>
-              <a:t> </a:t>
-            </a:r>
-            <a:r>
-              <a:rPr lang="en-US" sz="1100" b="0" dirty="0" smtClean="0">
-                <a:solidFill>
-                  <a:srgbClr val="E06C75"/>
-                </a:solidFill>
-                <a:effectLst/>
-                <a:latin typeface="Menlo" charset="0"/>
-              </a:rPr>
-              <a:t>=</a:t>
-            </a:r>
-            <a:r>
-              <a:rPr lang="en-US" sz="1100" b="0" dirty="0" smtClean="0">
-                <a:solidFill>
-                  <a:srgbClr val="ABB2BF"/>
-                </a:solidFill>
-                <a:effectLst/>
-                <a:latin typeface="Menlo" charset="0"/>
-              </a:rPr>
-              <a:t> (</a:t>
-            </a:r>
-            <a:r>
-              <a:rPr lang="en-US" sz="1100" b="0" i="1" dirty="0" smtClean="0">
-                <a:solidFill>
-                  <a:srgbClr val="D19A66"/>
-                </a:solidFill>
-                <a:effectLst/>
-                <a:latin typeface="Menlo" charset="0"/>
-              </a:rPr>
-              <a:t>input</a:t>
-            </a:r>
-            <a:r>
-              <a:rPr lang="en-US" sz="1100" b="0" dirty="0" smtClean="0">
-                <a:solidFill>
-                  <a:srgbClr val="ABB2BF"/>
-                </a:solidFill>
-                <a:effectLst/>
-                <a:latin typeface="Menlo" charset="0"/>
-              </a:rPr>
-              <a:t>) </a:t>
-            </a:r>
-            <a:r>
-              <a:rPr lang="en-US" sz="1100" b="0" dirty="0" smtClean="0">
-                <a:solidFill>
-                  <a:srgbClr val="56B6C2"/>
-                </a:solidFill>
-                <a:effectLst/>
-                <a:latin typeface="Menlo" charset="0"/>
-              </a:rPr>
-              <a:t>=&gt;</a:t>
-            </a:r>
-            <a:r>
-              <a:rPr lang="en-US" sz="1100" b="0" dirty="0" smtClean="0">
-                <a:solidFill>
-                  <a:srgbClr val="ABB2BF"/>
-                </a:solidFill>
-                <a:effectLst/>
-                <a:latin typeface="Menlo" charset="0"/>
-              </a:rPr>
-              <a:t> input </a:t>
-            </a:r>
-            <a:r>
-              <a:rPr lang="en-US" sz="1100" b="0" dirty="0" smtClean="0">
-                <a:solidFill>
-                  <a:srgbClr val="E06C75"/>
-                </a:solidFill>
-                <a:effectLst/>
-                <a:latin typeface="Menlo" charset="0"/>
-              </a:rPr>
-              <a:t>+</a:t>
-            </a:r>
-            <a:r>
-              <a:rPr lang="en-US" sz="1100" b="0" dirty="0" smtClean="0">
-                <a:solidFill>
-                  <a:srgbClr val="ABB2BF"/>
-                </a:solidFill>
-                <a:effectLst/>
-                <a:latin typeface="Menlo" charset="0"/>
-              </a:rPr>
-              <a:t> </a:t>
-            </a:r>
-            <a:r>
-              <a:rPr lang="en-US" sz="1100" b="0" dirty="0" smtClean="0">
-                <a:solidFill>
-                  <a:srgbClr val="E5C07B"/>
-                </a:solidFill>
-                <a:effectLst/>
-                <a:latin typeface="Menlo" charset="0"/>
-              </a:rPr>
-              <a:t>":) Hello"</a:t>
-            </a:r>
-            <a:endParaRPr lang="en-US" sz="1100" b="0" dirty="0" smtClean="0">
-              <a:solidFill>
-                <a:srgbClr val="ABB2BF"/>
-              </a:solidFill>
-              <a:effectLst/>
-              <a:latin typeface="Menlo" charset="0"/>
-            </a:endParaRPr>
-          </a:p>
-          <a:p>
-            <a:r>
-              <a:rPr lang="en-US" sz="1100" b="0" dirty="0" smtClean="0">
-                <a:solidFill>
-                  <a:srgbClr val="98C379"/>
-                </a:solidFill>
-                <a:effectLst/>
-                <a:latin typeface="Menlo" charset="0"/>
-              </a:rPr>
-              <a:t>  x</a:t>
-            </a:r>
-            <a:r>
-              <a:rPr lang="en-US" sz="1100" b="0" dirty="0" smtClean="0">
-                <a:solidFill>
-                  <a:srgbClr val="ABB2BF"/>
-                </a:solidFill>
-                <a:effectLst/>
-                <a:latin typeface="Menlo" charset="0"/>
-              </a:rPr>
-              <a:t> </a:t>
-            </a:r>
-            <a:r>
-              <a:rPr lang="en-US" sz="1100" b="0" dirty="0" smtClean="0">
-                <a:solidFill>
-                  <a:srgbClr val="E06C75"/>
-                </a:solidFill>
-                <a:effectLst/>
-                <a:latin typeface="Menlo" charset="0"/>
-              </a:rPr>
-              <a:t>=</a:t>
-            </a:r>
-            <a:r>
-              <a:rPr lang="en-US" sz="1100" b="0" dirty="0" smtClean="0">
-                <a:solidFill>
-                  <a:srgbClr val="ABB2BF"/>
-                </a:solidFill>
-                <a:effectLst/>
-                <a:latin typeface="Menlo" charset="0"/>
-              </a:rPr>
-              <a:t> () </a:t>
-            </a:r>
-            <a:r>
-              <a:rPr lang="en-US" sz="1100" b="0" dirty="0" smtClean="0">
-                <a:solidFill>
-                  <a:srgbClr val="56B6C2"/>
-                </a:solidFill>
-                <a:effectLst/>
-                <a:latin typeface="Menlo" charset="0"/>
-              </a:rPr>
-              <a:t>=&gt;</a:t>
-            </a:r>
-            <a:r>
-              <a:rPr lang="en-US" sz="1100" b="0" dirty="0" smtClean="0">
-                <a:solidFill>
-                  <a:srgbClr val="ABB2BF"/>
-                </a:solidFill>
-                <a:effectLst/>
-                <a:latin typeface="Menlo" charset="0"/>
-              </a:rPr>
-              <a:t> </a:t>
-            </a:r>
-            <a:r>
-              <a:rPr lang="en-US" sz="1100" b="0" dirty="0" smtClean="0">
-                <a:solidFill>
-                  <a:srgbClr val="C678DD"/>
-                </a:solidFill>
-                <a:effectLst/>
-                <a:latin typeface="Menlo" charset="0"/>
-              </a:rPr>
-              <a:t>5</a:t>
-            </a:r>
-            <a:endParaRPr lang="en-US" sz="1100" b="0" dirty="0" smtClean="0">
-              <a:solidFill>
-                <a:srgbClr val="ABB2BF"/>
-              </a:solidFill>
-              <a:effectLst/>
-              <a:latin typeface="Menlo" charset="0"/>
-            </a:endParaRPr>
-          </a:p>
-          <a:p>
-            <a:r>
-              <a:rPr lang="en-US" sz="1100" b="0" dirty="0" smtClean="0">
-                <a:solidFill>
-                  <a:srgbClr val="98C379"/>
-                </a:solidFill>
-                <a:effectLst/>
-                <a:latin typeface="Menlo" charset="0"/>
-              </a:rPr>
-              <a:t>  x</a:t>
-            </a:r>
-            <a:r>
-              <a:rPr lang="en-US" sz="1100" b="0" dirty="0" smtClean="0">
-                <a:solidFill>
-                  <a:srgbClr val="ABB2BF"/>
-                </a:solidFill>
-                <a:effectLst/>
-                <a:latin typeface="Menlo" charset="0"/>
-              </a:rPr>
-              <a:t> </a:t>
-            </a:r>
-            <a:r>
-              <a:rPr lang="en-US" sz="1100" b="0" dirty="0" smtClean="0">
-                <a:solidFill>
-                  <a:srgbClr val="E06C75"/>
-                </a:solidFill>
-                <a:effectLst/>
-                <a:latin typeface="Menlo" charset="0"/>
-              </a:rPr>
-              <a:t>=</a:t>
-            </a:r>
-            <a:r>
-              <a:rPr lang="en-US" sz="1100" b="0" dirty="0" smtClean="0">
-                <a:solidFill>
-                  <a:srgbClr val="ABB2BF"/>
-                </a:solidFill>
-                <a:effectLst/>
-                <a:latin typeface="Menlo" charset="0"/>
-              </a:rPr>
-              <a:t> (</a:t>
-            </a:r>
-            <a:r>
-              <a:rPr lang="en-US" sz="1100" b="0" i="1" dirty="0" smtClean="0">
-                <a:solidFill>
-                  <a:srgbClr val="D19A66"/>
-                </a:solidFill>
-                <a:effectLst/>
-                <a:latin typeface="Menlo" charset="0"/>
-              </a:rPr>
-              <a:t>in1</a:t>
-            </a:r>
-            <a:r>
-              <a:rPr lang="en-US" sz="1100" b="0" dirty="0" smtClean="0">
-                <a:solidFill>
-                  <a:srgbClr val="ABB2BF"/>
-                </a:solidFill>
-                <a:effectLst/>
-                <a:latin typeface="Menlo" charset="0"/>
-              </a:rPr>
-              <a:t>, </a:t>
-            </a:r>
-            <a:r>
-              <a:rPr lang="en-US" sz="1100" b="0" i="1" dirty="0" smtClean="0">
-                <a:solidFill>
-                  <a:srgbClr val="D19A66"/>
-                </a:solidFill>
-                <a:effectLst/>
-                <a:latin typeface="Menlo" charset="0"/>
-              </a:rPr>
-              <a:t>in2</a:t>
-            </a:r>
-            <a:r>
-              <a:rPr lang="en-US" sz="1100" b="0" dirty="0" smtClean="0">
-                <a:solidFill>
-                  <a:srgbClr val="ABB2BF"/>
-                </a:solidFill>
-                <a:effectLst/>
-                <a:latin typeface="Menlo" charset="0"/>
-              </a:rPr>
-              <a:t>) </a:t>
-            </a:r>
-            <a:r>
-              <a:rPr lang="en-US" sz="1100" b="0" dirty="0" smtClean="0">
-                <a:solidFill>
-                  <a:srgbClr val="56B6C2"/>
-                </a:solidFill>
-                <a:effectLst/>
-                <a:latin typeface="Menlo" charset="0"/>
-              </a:rPr>
-              <a:t>=&gt;</a:t>
-            </a:r>
-            <a:r>
-              <a:rPr lang="en-US" sz="1100" b="0" dirty="0" smtClean="0">
-                <a:solidFill>
-                  <a:srgbClr val="ABB2BF"/>
-                </a:solidFill>
-                <a:effectLst/>
-                <a:latin typeface="Menlo" charset="0"/>
-              </a:rPr>
-              <a:t> in1 </a:t>
-            </a:r>
-            <a:r>
-              <a:rPr lang="en-US" sz="1100" b="0" dirty="0" smtClean="0">
-                <a:solidFill>
-                  <a:srgbClr val="E06C75"/>
-                </a:solidFill>
-                <a:effectLst/>
-                <a:latin typeface="Menlo" charset="0"/>
-              </a:rPr>
-              <a:t>*</a:t>
-            </a:r>
-            <a:r>
-              <a:rPr lang="en-US" sz="1100" b="0" dirty="0" smtClean="0">
-                <a:solidFill>
-                  <a:srgbClr val="ABB2BF"/>
-                </a:solidFill>
-                <a:effectLst/>
-                <a:latin typeface="Menlo" charset="0"/>
-              </a:rPr>
-              <a:t> in2</a:t>
-            </a:r>
-          </a:p>
-          <a:p>
-            <a:r>
-              <a:rPr lang="en-US" sz="1100" b="0" dirty="0" smtClean="0">
-                <a:solidFill>
-                  <a:srgbClr val="ABB2BF"/>
-                </a:solidFill>
-                <a:effectLst/>
-                <a:latin typeface="Menlo" charset="0"/>
-              </a:rPr>
-              <a:t/>
-            </a:r>
-            <a:br>
-              <a:rPr lang="en-US" sz="1100" b="0" dirty="0" smtClean="0">
-                <a:solidFill>
-                  <a:srgbClr val="ABB2BF"/>
-                </a:solidFill>
-                <a:effectLst/>
-                <a:latin typeface="Menlo" charset="0"/>
-              </a:rPr>
-            </a:br>
-            <a:r>
-              <a:rPr lang="en-US" sz="1100" b="0" dirty="0" smtClean="0">
-                <a:solidFill>
-                  <a:srgbClr val="ABB2BF"/>
-                </a:solidFill>
-                <a:effectLst/>
-                <a:latin typeface="Menlo" charset="0"/>
-              </a:rPr>
-              <a:t/>
-            </a:r>
-            <a:br>
-              <a:rPr lang="en-US" sz="1100" b="0" dirty="0" smtClean="0">
-                <a:solidFill>
-                  <a:srgbClr val="ABB2BF"/>
-                </a:solidFill>
-                <a:effectLst/>
-                <a:latin typeface="Menlo" charset="0"/>
-              </a:rPr>
-            </a:br>
-            <a:endParaRPr lang="en-US" sz="1100" b="0" dirty="0">
-              <a:solidFill>
-                <a:srgbClr val="ABB2BF"/>
-              </a:solidFill>
-              <a:effectLst/>
-              <a:latin typeface="Menlo" charset="0"/>
-            </a:endParaRPr>
-          </a:p>
-        </p:txBody>
-      </p:sp>
-      <p:sp>
-        <p:nvSpPr>
           <p:cNvPr id="6" name="TextBox 5"/>
           <p:cNvSpPr txBox="1"/>
           <p:nvPr/>
@@ -7934,7 +5678,15 @@
           <a:p>
             <a:r>
               <a:rPr lang="en-US" dirty="0" smtClean="0"/>
-              <a:t>Previously, we’ve practices using </a:t>
+              <a:t>Previously, we’ve </a:t>
+            </a:r>
+            <a:r>
+              <a:rPr lang="en-US" dirty="0" smtClean="0"/>
+              <a:t>practiced </a:t>
+            </a:r>
+            <a:r>
+              <a:rPr lang="en-US" dirty="0" smtClean="0"/>
+              <a:t>using </a:t>
             </a:r>
             <a:r>
               <a:rPr lang="en-US" dirty="0" smtClean="0">
@@ -7946,10 +5698,14 @@
             </a:r>
             <a:r>
               <a:rPr lang="en-US" dirty="0" smtClean="0"/>
-              <a:t> and </a:t>
-            </a:r>
-            <a:r>
-              <a:rPr lang="en-US" dirty="0" smtClean="0">
+              <a:t> </a:t>
+            </a:r>
+            <a:r>
+              <a:rPr lang="en-US" smtClean="0"/>
+              <a:t>and </a:t>
+            </a:r>
+            <a:r>
+              <a:rPr lang="en-US" smtClean="0">
                 <a:latin typeface="Menlo" charset="0"/>
                 <a:ea typeface="Menlo" charset="0"/>
                 <a:cs typeface="Menlo" charset="0"/>
@@ -7972,7 +5728,7 @@
         </p:nvSpPr>
         <p:spPr>
           <a:xfrm>
-            <a:off x="1851376" y="3674534"/>
+            <a:off x="1786458" y="3180602"/>
             <a:ext cx="2991555" cy="646331"/>
           </a:xfrm>
           <a:prstGeom prst="rect">
@@ -8014,8 +5770,8 @@
         </p:nvCxnSpPr>
         <p:spPr>
           <a:xfrm flipV="1">
-            <a:off x="4842931" y="1072444"/>
-            <a:ext cx="1873958" cy="959557"/>
+            <a:off x="4842931" y="545405"/>
+            <a:ext cx="2760117" cy="1486597"/>
           </a:xfrm>
           <a:prstGeom prst="straightConnector1">
             <a:avLst/>
@@ -8052,8 +5808,8 @@
         </p:nvCxnSpPr>
         <p:spPr>
           <a:xfrm flipV="1">
-            <a:off x="4842932" y="2020711"/>
-            <a:ext cx="1896535" cy="153833"/>
+            <a:off x="4842932" y="1288705"/>
+            <a:ext cx="2861716" cy="885839"/>
           </a:xfrm>
           <a:prstGeom prst="straightConnector1">
             <a:avLst/>
@@ -8088,8 +5844,8 @@
         </p:nvCxnSpPr>
         <p:spPr>
           <a:xfrm flipV="1">
-            <a:off x="4955822" y="3826933"/>
-            <a:ext cx="1885245" cy="170766"/>
+            <a:off x="4825981" y="2430607"/>
+            <a:ext cx="2713337" cy="1158647"/>
           </a:xfrm>
           <a:prstGeom prst="straightConnector1">
             <a:avLst/>
@@ -8116,6 +5872,2078 @@
           </a:fontRef>
         </p:style>
       </p:cxnSp>
+      <p:sp>
+        <p:nvSpPr>
+          <p:cNvPr id="4" name="Rectangle 3"/>
+          <p:cNvSpPr/>
+          <p:nvPr/>
+        </p:nvSpPr>
+        <p:spPr>
+          <a:xfrm>
+            <a:off x="7704648" y="392225"/>
+            <a:ext cx="4518884" cy="6394058"/>
+          </a:xfrm>
+          <a:prstGeom prst="rect">
+            <a:avLst/>
+          </a:prstGeom>
+        </p:spPr>
+        <p:txBody>
+          <a:bodyPr wrap="square">
+            <a:spAutoFit/>
+          </a:bodyPr>
+          <a:lstStyle/>
+          <a:p>
+            <a:r>
+              <a:rPr lang="en-US" sz="1050" dirty="0">
+                <a:solidFill>
+                  <a:srgbClr val="56B6C2"/>
+                </a:solidFill>
+                <a:latin typeface="Menlo" charset="0"/>
+              </a:rPr>
+              <a:t>let</a:t>
+            </a:r>
+            <a:r>
+              <a:rPr lang="en-US" sz="1050" dirty="0">
+                <a:solidFill>
+                  <a:srgbClr val="ABB2BF"/>
+                </a:solidFill>
+                <a:latin typeface="Menlo" charset="0"/>
+              </a:rPr>
+              <a:t> </a:t>
+            </a:r>
+            <a:r>
+              <a:rPr lang="en-US" sz="1050" dirty="0" err="1">
+                <a:solidFill>
+                  <a:srgbClr val="ABB2BF"/>
+                </a:solidFill>
+                <a:latin typeface="Menlo" charset="0"/>
+              </a:rPr>
+              <a:t>a_thing_can_be_a_number</a:t>
+            </a:r>
+            <a:r>
+              <a:rPr lang="en-US" sz="1050" dirty="0">
+                <a:solidFill>
+                  <a:srgbClr val="ABB2BF"/>
+                </a:solidFill>
+                <a:latin typeface="Menlo" charset="0"/>
+              </a:rPr>
+              <a:t> </a:t>
+            </a:r>
+            <a:r>
+              <a:rPr lang="en-US" sz="1050" dirty="0">
+                <a:solidFill>
+                  <a:srgbClr val="E06C75"/>
+                </a:solidFill>
+                <a:latin typeface="Menlo" charset="0"/>
+              </a:rPr>
+              <a:t>=</a:t>
+            </a:r>
+            <a:r>
+              <a:rPr lang="en-US" sz="1050" dirty="0">
+                <a:solidFill>
+                  <a:srgbClr val="ABB2BF"/>
+                </a:solidFill>
+                <a:latin typeface="Menlo" charset="0"/>
+              </a:rPr>
+              <a:t> </a:t>
+            </a:r>
+            <a:r>
+              <a:rPr lang="en-US" sz="1050" dirty="0">
+                <a:solidFill>
+                  <a:srgbClr val="61AFEF"/>
+                </a:solidFill>
+                <a:latin typeface="Menlo" charset="0"/>
+              </a:rPr>
+              <a:t>Number</a:t>
+            </a:r>
+            <a:r>
+              <a:rPr lang="en-US" sz="1050" dirty="0">
+                <a:solidFill>
+                  <a:srgbClr val="ABB2BF"/>
+                </a:solidFill>
+                <a:latin typeface="Menlo" charset="0"/>
+              </a:rPr>
+              <a:t>() </a:t>
+            </a:r>
+          </a:p>
+          <a:p>
+            <a:r>
+              <a:rPr lang="en-US" sz="1050" dirty="0" smtClean="0">
+                <a:solidFill>
+                  <a:srgbClr val="ABB2BF"/>
+                </a:solidFill>
+                <a:latin typeface="Menlo" charset="0"/>
+              </a:rPr>
+              <a:t>   x </a:t>
+            </a:r>
+            <a:r>
+              <a:rPr lang="en-US" sz="1050" dirty="0">
+                <a:solidFill>
+                  <a:srgbClr val="E06C75"/>
+                </a:solidFill>
+                <a:latin typeface="Menlo" charset="0"/>
+              </a:rPr>
+              <a:t>=</a:t>
+            </a:r>
+            <a:r>
+              <a:rPr lang="en-US" sz="1050" dirty="0">
+                <a:solidFill>
+                  <a:srgbClr val="ABB2BF"/>
+                </a:solidFill>
+                <a:latin typeface="Menlo" charset="0"/>
+              </a:rPr>
+              <a:t> </a:t>
+            </a:r>
+            <a:r>
+              <a:rPr lang="en-US" sz="1050" dirty="0">
+                <a:solidFill>
+                  <a:srgbClr val="C678DD"/>
+                </a:solidFill>
+                <a:latin typeface="Menlo" charset="0"/>
+              </a:rPr>
+              <a:t>10</a:t>
+            </a:r>
+            <a:endParaRPr lang="en-US" sz="1050" dirty="0">
+              <a:solidFill>
+                <a:srgbClr val="ABB2BF"/>
+              </a:solidFill>
+              <a:latin typeface="Menlo" charset="0"/>
+            </a:endParaRPr>
+          </a:p>
+          <a:p>
+            <a:r>
+              <a:rPr lang="en-US" sz="1050" dirty="0" smtClean="0">
+                <a:solidFill>
+                  <a:srgbClr val="ABB2BF"/>
+                </a:solidFill>
+                <a:latin typeface="Menlo" charset="0"/>
+              </a:rPr>
+              <a:t>   x </a:t>
+            </a:r>
+            <a:r>
+              <a:rPr lang="en-US" sz="1050" dirty="0">
+                <a:solidFill>
+                  <a:srgbClr val="E06C75"/>
+                </a:solidFill>
+                <a:latin typeface="Menlo" charset="0"/>
+              </a:rPr>
+              <a:t>=</a:t>
+            </a:r>
+            <a:r>
+              <a:rPr lang="en-US" sz="1050" dirty="0">
+                <a:solidFill>
+                  <a:srgbClr val="ABB2BF"/>
+                </a:solidFill>
+                <a:latin typeface="Menlo" charset="0"/>
+              </a:rPr>
+              <a:t> </a:t>
+            </a:r>
+            <a:r>
+              <a:rPr lang="en-US" sz="1050" dirty="0">
+                <a:solidFill>
+                  <a:srgbClr val="C678DD"/>
+                </a:solidFill>
+                <a:latin typeface="Menlo" charset="0"/>
+              </a:rPr>
+              <a:t>3.276</a:t>
+            </a:r>
+            <a:endParaRPr lang="en-US" sz="1050" dirty="0">
+              <a:solidFill>
+                <a:srgbClr val="ABB2BF"/>
+              </a:solidFill>
+              <a:latin typeface="Menlo" charset="0"/>
+            </a:endParaRPr>
+          </a:p>
+          <a:p>
+            <a:r>
+              <a:rPr lang="en-US" sz="1050" dirty="0" smtClean="0">
+                <a:solidFill>
+                  <a:srgbClr val="ABB2BF"/>
+                </a:solidFill>
+                <a:latin typeface="Menlo" charset="0"/>
+              </a:rPr>
+              <a:t>   x </a:t>
+            </a:r>
+            <a:r>
+              <a:rPr lang="en-US" sz="1050" dirty="0">
+                <a:solidFill>
+                  <a:srgbClr val="E06C75"/>
+                </a:solidFill>
+                <a:latin typeface="Menlo" charset="0"/>
+              </a:rPr>
+              <a:t>=</a:t>
+            </a:r>
+            <a:r>
+              <a:rPr lang="en-US" sz="1050" dirty="0">
+                <a:solidFill>
+                  <a:srgbClr val="ABB2BF"/>
+                </a:solidFill>
+                <a:latin typeface="Menlo" charset="0"/>
+              </a:rPr>
+              <a:t> </a:t>
+            </a:r>
+            <a:r>
+              <a:rPr lang="en-US" sz="1050" dirty="0">
+                <a:solidFill>
+                  <a:srgbClr val="E06C75"/>
+                </a:solidFill>
+                <a:latin typeface="Menlo" charset="0"/>
+              </a:rPr>
+              <a:t>-</a:t>
+            </a:r>
+            <a:r>
+              <a:rPr lang="en-US" sz="1050" dirty="0">
+                <a:solidFill>
+                  <a:srgbClr val="C678DD"/>
+                </a:solidFill>
+                <a:latin typeface="Menlo" charset="0"/>
+              </a:rPr>
+              <a:t>12</a:t>
+            </a:r>
+            <a:endParaRPr lang="en-US" sz="1050" dirty="0">
+              <a:solidFill>
+                <a:srgbClr val="ABB2BF"/>
+              </a:solidFill>
+              <a:latin typeface="Menlo" charset="0"/>
+            </a:endParaRPr>
+          </a:p>
+          <a:p>
+            <a:r>
+              <a:rPr lang="en-US" sz="1050" dirty="0">
+                <a:solidFill>
+                  <a:srgbClr val="ABB2BF"/>
+                </a:solidFill>
+                <a:latin typeface="Menlo" charset="0"/>
+              </a:rPr>
+              <a:t/>
+            </a:r>
+            <a:br>
+              <a:rPr lang="en-US" sz="1050" dirty="0">
+                <a:solidFill>
+                  <a:srgbClr val="ABB2BF"/>
+                </a:solidFill>
+                <a:latin typeface="Menlo" charset="0"/>
+              </a:rPr>
+            </a:br>
+            <a:r>
+              <a:rPr lang="en-US" sz="1050" dirty="0">
+                <a:solidFill>
+                  <a:srgbClr val="56B6C2"/>
+                </a:solidFill>
+                <a:latin typeface="Menlo" charset="0"/>
+              </a:rPr>
+              <a:t>let</a:t>
+            </a:r>
+            <a:r>
+              <a:rPr lang="en-US" sz="1050" dirty="0">
+                <a:solidFill>
+                  <a:srgbClr val="ABB2BF"/>
+                </a:solidFill>
+                <a:latin typeface="Menlo" charset="0"/>
+              </a:rPr>
+              <a:t> </a:t>
+            </a:r>
+            <a:r>
+              <a:rPr lang="en-US" sz="1050" dirty="0" err="1">
+                <a:solidFill>
+                  <a:srgbClr val="ABB2BF"/>
+                </a:solidFill>
+                <a:latin typeface="Menlo" charset="0"/>
+              </a:rPr>
+              <a:t>a_thing_can_be_a_string</a:t>
+            </a:r>
+            <a:r>
+              <a:rPr lang="en-US" sz="1050" dirty="0">
+                <a:solidFill>
+                  <a:srgbClr val="ABB2BF"/>
+                </a:solidFill>
+                <a:latin typeface="Menlo" charset="0"/>
+              </a:rPr>
+              <a:t> </a:t>
+            </a:r>
+            <a:r>
+              <a:rPr lang="en-US" sz="1050" dirty="0">
+                <a:solidFill>
+                  <a:srgbClr val="E06C75"/>
+                </a:solidFill>
+                <a:latin typeface="Menlo" charset="0"/>
+              </a:rPr>
+              <a:t>=</a:t>
+            </a:r>
+            <a:r>
+              <a:rPr lang="en-US" sz="1050" dirty="0">
+                <a:solidFill>
+                  <a:srgbClr val="ABB2BF"/>
+                </a:solidFill>
+                <a:latin typeface="Menlo" charset="0"/>
+              </a:rPr>
+              <a:t> </a:t>
+            </a:r>
+            <a:r>
+              <a:rPr lang="en-US" sz="1050" dirty="0">
+                <a:solidFill>
+                  <a:srgbClr val="61AFEF"/>
+                </a:solidFill>
+                <a:latin typeface="Menlo" charset="0"/>
+              </a:rPr>
+              <a:t>String</a:t>
+            </a:r>
+            <a:r>
+              <a:rPr lang="en-US" sz="1050" dirty="0">
+                <a:solidFill>
+                  <a:srgbClr val="ABB2BF"/>
+                </a:solidFill>
+                <a:latin typeface="Menlo" charset="0"/>
+              </a:rPr>
+              <a:t>()</a:t>
+            </a:r>
+          </a:p>
+          <a:p>
+            <a:r>
+              <a:rPr lang="en-US" sz="1050" dirty="0" smtClean="0">
+                <a:solidFill>
+                  <a:srgbClr val="ABB2BF"/>
+                </a:solidFill>
+                <a:latin typeface="Menlo" charset="0"/>
+              </a:rPr>
+              <a:t>   x </a:t>
+            </a:r>
+            <a:r>
+              <a:rPr lang="en-US" sz="1050" dirty="0">
+                <a:solidFill>
+                  <a:srgbClr val="E06C75"/>
+                </a:solidFill>
+                <a:latin typeface="Menlo" charset="0"/>
+              </a:rPr>
+              <a:t>=</a:t>
+            </a:r>
+            <a:r>
+              <a:rPr lang="en-US" sz="1050" dirty="0">
+                <a:solidFill>
+                  <a:srgbClr val="ABB2BF"/>
+                </a:solidFill>
+                <a:latin typeface="Menlo" charset="0"/>
+              </a:rPr>
+              <a:t> </a:t>
+            </a:r>
+            <a:r>
+              <a:rPr lang="en-US" sz="1050" dirty="0">
+                <a:solidFill>
+                  <a:srgbClr val="E5C07B"/>
+                </a:solidFill>
+                <a:latin typeface="Menlo" charset="0"/>
+              </a:rPr>
+              <a:t>"Something in double quotes"</a:t>
+            </a:r>
+            <a:endParaRPr lang="en-US" sz="1050" dirty="0">
+              <a:solidFill>
+                <a:srgbClr val="ABB2BF"/>
+              </a:solidFill>
+              <a:latin typeface="Menlo" charset="0"/>
+            </a:endParaRPr>
+          </a:p>
+          <a:p>
+            <a:r>
+              <a:rPr lang="en-US" sz="1050" dirty="0" smtClean="0">
+                <a:solidFill>
+                  <a:srgbClr val="ABB2BF"/>
+                </a:solidFill>
+                <a:latin typeface="Menlo" charset="0"/>
+              </a:rPr>
+              <a:t>   x </a:t>
+            </a:r>
+            <a:r>
+              <a:rPr lang="en-US" sz="1050" dirty="0">
+                <a:solidFill>
+                  <a:srgbClr val="E06C75"/>
+                </a:solidFill>
+                <a:latin typeface="Menlo" charset="0"/>
+              </a:rPr>
+              <a:t>=</a:t>
+            </a:r>
+            <a:r>
+              <a:rPr lang="en-US" sz="1050" dirty="0">
+                <a:solidFill>
+                  <a:srgbClr val="ABB2BF"/>
+                </a:solidFill>
+                <a:latin typeface="Menlo" charset="0"/>
+              </a:rPr>
+              <a:t> </a:t>
+            </a:r>
+            <a:r>
+              <a:rPr lang="en-US" sz="1050" dirty="0">
+                <a:solidFill>
+                  <a:srgbClr val="E5C07B"/>
+                </a:solidFill>
+                <a:latin typeface="Menlo" charset="0"/>
+              </a:rPr>
+              <a:t>'or single quotes'</a:t>
+            </a:r>
+            <a:endParaRPr lang="en-US" sz="1050" dirty="0">
+              <a:solidFill>
+                <a:srgbClr val="ABB2BF"/>
+              </a:solidFill>
+              <a:latin typeface="Menlo" charset="0"/>
+            </a:endParaRPr>
+          </a:p>
+          <a:p>
+            <a:r>
+              <a:rPr lang="en-US" sz="1050" dirty="0" smtClean="0">
+                <a:solidFill>
+                  <a:srgbClr val="ABB2BF"/>
+                </a:solidFill>
+                <a:latin typeface="Menlo" charset="0"/>
+              </a:rPr>
+              <a:t>   x </a:t>
+            </a:r>
+            <a:r>
+              <a:rPr lang="en-US" sz="1050" dirty="0">
+                <a:solidFill>
+                  <a:srgbClr val="E06C75"/>
+                </a:solidFill>
+                <a:latin typeface="Menlo" charset="0"/>
+              </a:rPr>
+              <a:t>=</a:t>
+            </a:r>
+            <a:r>
+              <a:rPr lang="en-US" sz="1050" dirty="0">
+                <a:solidFill>
+                  <a:srgbClr val="ABB2BF"/>
+                </a:solidFill>
+                <a:latin typeface="Menlo" charset="0"/>
+              </a:rPr>
+              <a:t> </a:t>
+            </a:r>
+            <a:r>
+              <a:rPr lang="en-US" sz="1050" dirty="0">
+                <a:solidFill>
+                  <a:srgbClr val="E5C07B"/>
+                </a:solidFill>
+                <a:latin typeface="Menlo" charset="0"/>
+              </a:rPr>
+              <a:t>'!#^$%#!.'</a:t>
+            </a:r>
+            <a:endParaRPr lang="en-US" sz="1050" dirty="0">
+              <a:solidFill>
+                <a:srgbClr val="ABB2BF"/>
+              </a:solidFill>
+              <a:latin typeface="Menlo" charset="0"/>
+            </a:endParaRPr>
+          </a:p>
+          <a:p>
+            <a:r>
+              <a:rPr lang="en-US" sz="1050" dirty="0" smtClean="0">
+                <a:solidFill>
+                  <a:srgbClr val="ABB2BF"/>
+                </a:solidFill>
+                <a:latin typeface="Menlo" charset="0"/>
+              </a:rPr>
+              <a:t>   x </a:t>
+            </a:r>
+            <a:r>
+              <a:rPr lang="en-US" sz="1050" dirty="0">
+                <a:solidFill>
+                  <a:srgbClr val="E06C75"/>
+                </a:solidFill>
+                <a:latin typeface="Menlo" charset="0"/>
+              </a:rPr>
+              <a:t>=</a:t>
+            </a:r>
+            <a:r>
+              <a:rPr lang="en-US" sz="1050" dirty="0">
+                <a:solidFill>
+                  <a:srgbClr val="ABB2BF"/>
+                </a:solidFill>
+                <a:latin typeface="Menlo" charset="0"/>
+              </a:rPr>
+              <a:t> </a:t>
+            </a:r>
+            <a:r>
+              <a:rPr lang="en-US" sz="1050" dirty="0">
+                <a:solidFill>
+                  <a:srgbClr val="E5C07B"/>
+                </a:solidFill>
+                <a:latin typeface="Menlo" charset="0"/>
+              </a:rPr>
+              <a:t>"82"</a:t>
+            </a:r>
+            <a:endParaRPr lang="en-US" sz="1050" dirty="0">
+              <a:solidFill>
+                <a:srgbClr val="ABB2BF"/>
+              </a:solidFill>
+              <a:latin typeface="Menlo" charset="0"/>
+            </a:endParaRPr>
+          </a:p>
+          <a:p>
+            <a:r>
+              <a:rPr lang="en-US" sz="1050" dirty="0">
+                <a:solidFill>
+                  <a:srgbClr val="ABB2BF"/>
+                </a:solidFill>
+                <a:latin typeface="Menlo" charset="0"/>
+              </a:rPr>
+              <a:t/>
+            </a:r>
+            <a:br>
+              <a:rPr lang="en-US" sz="1050" dirty="0">
+                <a:solidFill>
+                  <a:srgbClr val="ABB2BF"/>
+                </a:solidFill>
+                <a:latin typeface="Menlo" charset="0"/>
+              </a:rPr>
+            </a:br>
+            <a:r>
+              <a:rPr lang="en-US" sz="1050" dirty="0">
+                <a:solidFill>
+                  <a:srgbClr val="56B6C2"/>
+                </a:solidFill>
+                <a:latin typeface="Menlo" charset="0"/>
+              </a:rPr>
+              <a:t>let</a:t>
+            </a:r>
+            <a:r>
+              <a:rPr lang="en-US" sz="1050" dirty="0">
+                <a:solidFill>
+                  <a:srgbClr val="ABB2BF"/>
+                </a:solidFill>
+                <a:latin typeface="Menlo" charset="0"/>
+              </a:rPr>
+              <a:t> </a:t>
+            </a:r>
+            <a:r>
+              <a:rPr lang="en-US" sz="1050" dirty="0" err="1">
+                <a:solidFill>
+                  <a:srgbClr val="ABB2BF"/>
+                </a:solidFill>
+                <a:latin typeface="Menlo" charset="0"/>
+              </a:rPr>
+              <a:t>a_thing_can_be_an_object</a:t>
+            </a:r>
+            <a:r>
+              <a:rPr lang="en-US" sz="1050" dirty="0">
+                <a:solidFill>
+                  <a:srgbClr val="ABB2BF"/>
+                </a:solidFill>
+                <a:latin typeface="Menlo" charset="0"/>
+              </a:rPr>
+              <a:t> </a:t>
+            </a:r>
+            <a:r>
+              <a:rPr lang="en-US" sz="1050" dirty="0">
+                <a:solidFill>
+                  <a:srgbClr val="E06C75"/>
+                </a:solidFill>
+                <a:latin typeface="Menlo" charset="0"/>
+              </a:rPr>
+              <a:t>=</a:t>
+            </a:r>
+            <a:r>
+              <a:rPr lang="en-US" sz="1050" dirty="0">
+                <a:solidFill>
+                  <a:srgbClr val="ABB2BF"/>
+                </a:solidFill>
+                <a:latin typeface="Menlo" charset="0"/>
+              </a:rPr>
+              <a:t> </a:t>
+            </a:r>
+            <a:r>
+              <a:rPr lang="en-US" sz="1050" dirty="0">
+                <a:solidFill>
+                  <a:srgbClr val="61AFEF"/>
+                </a:solidFill>
+                <a:latin typeface="Menlo" charset="0"/>
+              </a:rPr>
+              <a:t>Object</a:t>
+            </a:r>
+            <a:r>
+              <a:rPr lang="en-US" sz="1050" dirty="0">
+                <a:solidFill>
+                  <a:srgbClr val="ABB2BF"/>
+                </a:solidFill>
+                <a:latin typeface="Menlo" charset="0"/>
+              </a:rPr>
+              <a:t>()</a:t>
+            </a:r>
+          </a:p>
+          <a:p>
+            <a:r>
+              <a:rPr lang="en-US" sz="1050" dirty="0" smtClean="0">
+                <a:solidFill>
+                  <a:srgbClr val="ABB2BF"/>
+                </a:solidFill>
+                <a:latin typeface="Menlo" charset="0"/>
+              </a:rPr>
+              <a:t>   x </a:t>
+            </a:r>
+            <a:r>
+              <a:rPr lang="en-US" sz="1050" dirty="0">
+                <a:solidFill>
+                  <a:srgbClr val="E06C75"/>
+                </a:solidFill>
+                <a:latin typeface="Menlo" charset="0"/>
+              </a:rPr>
+              <a:t>=</a:t>
+            </a:r>
+            <a:r>
+              <a:rPr lang="en-US" sz="1050" dirty="0">
+                <a:solidFill>
+                  <a:srgbClr val="ABB2BF"/>
+                </a:solidFill>
+                <a:latin typeface="Menlo" charset="0"/>
+              </a:rPr>
+              <a:t> { key: </a:t>
+            </a:r>
+            <a:r>
+              <a:rPr lang="en-US" sz="1050" dirty="0">
+                <a:solidFill>
+                  <a:srgbClr val="E5C07B"/>
+                </a:solidFill>
+                <a:latin typeface="Menlo" charset="0"/>
+              </a:rPr>
+              <a:t>"value"</a:t>
+            </a:r>
+            <a:r>
+              <a:rPr lang="en-US" sz="1050" dirty="0">
+                <a:solidFill>
+                  <a:srgbClr val="ABB2BF"/>
+                </a:solidFill>
+                <a:latin typeface="Menlo" charset="0"/>
+              </a:rPr>
+              <a:t> }</a:t>
+            </a:r>
+          </a:p>
+          <a:p>
+            <a:r>
+              <a:rPr lang="en-US" sz="1050" dirty="0" smtClean="0">
+                <a:solidFill>
+                  <a:srgbClr val="ABB2BF"/>
+                </a:solidFill>
+                <a:latin typeface="Menlo" charset="0"/>
+              </a:rPr>
+              <a:t>   x </a:t>
+            </a:r>
+            <a:r>
+              <a:rPr lang="en-US" sz="1050" dirty="0">
+                <a:solidFill>
+                  <a:srgbClr val="E06C75"/>
+                </a:solidFill>
+                <a:latin typeface="Menlo" charset="0"/>
+              </a:rPr>
+              <a:t>=</a:t>
+            </a:r>
+            <a:r>
+              <a:rPr lang="en-US" sz="1050" dirty="0">
+                <a:solidFill>
+                  <a:srgbClr val="ABB2BF"/>
+                </a:solidFill>
+                <a:latin typeface="Menlo" charset="0"/>
+              </a:rPr>
+              <a:t> { </a:t>
+            </a:r>
+          </a:p>
+          <a:p>
+            <a:r>
+              <a:rPr lang="en-US" sz="1050" dirty="0">
+                <a:solidFill>
+                  <a:srgbClr val="ABB2BF"/>
+                </a:solidFill>
+                <a:latin typeface="Menlo" charset="0"/>
+              </a:rPr>
+              <a:t> </a:t>
+            </a:r>
+            <a:r>
+              <a:rPr lang="en-US" sz="1050" dirty="0" smtClean="0">
+                <a:solidFill>
+                  <a:srgbClr val="ABB2BF"/>
+                </a:solidFill>
+                <a:latin typeface="Menlo" charset="0"/>
+              </a:rPr>
+              <a:t>     key1</a:t>
+            </a:r>
+            <a:r>
+              <a:rPr lang="en-US" sz="1050" dirty="0">
+                <a:solidFill>
+                  <a:srgbClr val="ABB2BF"/>
+                </a:solidFill>
+                <a:latin typeface="Menlo" charset="0"/>
+              </a:rPr>
+              <a:t>: </a:t>
+            </a:r>
+            <a:r>
+              <a:rPr lang="en-US" sz="1050" dirty="0">
+                <a:solidFill>
+                  <a:srgbClr val="E5C07B"/>
+                </a:solidFill>
+                <a:latin typeface="Menlo" charset="0"/>
+              </a:rPr>
+              <a:t>"value1"</a:t>
+            </a:r>
+            <a:r>
+              <a:rPr lang="en-US" sz="1050" dirty="0">
+                <a:solidFill>
+                  <a:srgbClr val="ABB2BF"/>
+                </a:solidFill>
+                <a:latin typeface="Menlo" charset="0"/>
+              </a:rPr>
+              <a:t>, </a:t>
+            </a:r>
+          </a:p>
+          <a:p>
+            <a:r>
+              <a:rPr lang="en-US" sz="1050" dirty="0" smtClean="0">
+                <a:solidFill>
+                  <a:srgbClr val="ABB2BF"/>
+                </a:solidFill>
+                <a:latin typeface="Menlo" charset="0"/>
+              </a:rPr>
+              <a:t>      key2</a:t>
+            </a:r>
+            <a:r>
+              <a:rPr lang="en-US" sz="1050" dirty="0">
+                <a:solidFill>
+                  <a:srgbClr val="ABB2BF"/>
+                </a:solidFill>
+                <a:latin typeface="Menlo" charset="0"/>
+              </a:rPr>
+              <a:t>: </a:t>
+            </a:r>
+            <a:r>
+              <a:rPr lang="en-US" sz="1050" dirty="0">
+                <a:solidFill>
+                  <a:srgbClr val="C678DD"/>
+                </a:solidFill>
+                <a:latin typeface="Menlo" charset="0"/>
+              </a:rPr>
+              <a:t>123801</a:t>
+            </a:r>
+            <a:r>
+              <a:rPr lang="en-US" sz="1050" dirty="0">
+                <a:solidFill>
+                  <a:srgbClr val="ABB2BF"/>
+                </a:solidFill>
+                <a:latin typeface="Menlo" charset="0"/>
+              </a:rPr>
+              <a:t>,</a:t>
+            </a:r>
+          </a:p>
+          <a:p>
+            <a:r>
+              <a:rPr lang="en-US" sz="1050" dirty="0" smtClean="0">
+                <a:solidFill>
+                  <a:srgbClr val="ABB2BF"/>
+                </a:solidFill>
+                <a:latin typeface="Menlo" charset="0"/>
+              </a:rPr>
+              <a:t>      </a:t>
+            </a:r>
+            <a:r>
+              <a:rPr lang="en-US" sz="1050" dirty="0" err="1" smtClean="0">
+                <a:solidFill>
+                  <a:srgbClr val="ABB2BF"/>
+                </a:solidFill>
+                <a:latin typeface="Menlo" charset="0"/>
+              </a:rPr>
+              <a:t>something_else</a:t>
+            </a:r>
+            <a:r>
+              <a:rPr lang="en-US" sz="1050" dirty="0">
+                <a:solidFill>
+                  <a:srgbClr val="ABB2BF"/>
+                </a:solidFill>
+                <a:latin typeface="Menlo" charset="0"/>
+              </a:rPr>
+              <a:t>: {another: </a:t>
+            </a:r>
+            <a:r>
+              <a:rPr lang="en-US" sz="1050" dirty="0">
+                <a:solidFill>
+                  <a:srgbClr val="E5C07B"/>
+                </a:solidFill>
+                <a:latin typeface="Menlo" charset="0"/>
+              </a:rPr>
+              <a:t>"</a:t>
+            </a:r>
+            <a:r>
+              <a:rPr lang="en-US" sz="1050" dirty="0" smtClean="0">
+                <a:solidFill>
+                  <a:srgbClr val="E5C07B"/>
+                </a:solidFill>
+                <a:latin typeface="Menlo" charset="0"/>
+              </a:rPr>
+              <a:t>object</a:t>
+            </a:r>
+            <a:r>
+              <a:rPr lang="en-US" sz="1050" dirty="0">
+                <a:solidFill>
+                  <a:srgbClr val="E5C07B"/>
+                </a:solidFill>
+                <a:latin typeface="Menlo" charset="0"/>
+              </a:rPr>
+              <a:t>"</a:t>
+            </a:r>
+            <a:r>
+              <a:rPr lang="en-US" sz="1050" dirty="0">
+                <a:solidFill>
+                  <a:srgbClr val="ABB2BF"/>
+                </a:solidFill>
+                <a:latin typeface="Menlo" charset="0"/>
+              </a:rPr>
+              <a:t>}</a:t>
+            </a:r>
+          </a:p>
+          <a:p>
+            <a:r>
+              <a:rPr lang="en-US" sz="1050" dirty="0" smtClean="0">
+                <a:solidFill>
+                  <a:srgbClr val="ABB2BF"/>
+                </a:solidFill>
+                <a:latin typeface="Menlo" charset="0"/>
+              </a:rPr>
+              <a:t>   }</a:t>
+            </a:r>
+            <a:endParaRPr lang="en-US" sz="1050" dirty="0">
+              <a:solidFill>
+                <a:srgbClr val="ABB2BF"/>
+              </a:solidFill>
+              <a:latin typeface="Menlo" charset="0"/>
+            </a:endParaRPr>
+          </a:p>
+          <a:p>
+            <a:r>
+              <a:rPr lang="en-US" sz="1050" dirty="0" smtClean="0">
+                <a:solidFill>
+                  <a:srgbClr val="ABB2BF"/>
+                </a:solidFill>
+                <a:latin typeface="Menlo" charset="0"/>
+              </a:rPr>
+              <a:t>   x </a:t>
+            </a:r>
+            <a:r>
+              <a:rPr lang="en-US" sz="1050" dirty="0">
+                <a:solidFill>
+                  <a:srgbClr val="E06C75"/>
+                </a:solidFill>
+                <a:latin typeface="Menlo" charset="0"/>
+              </a:rPr>
+              <a:t>=</a:t>
+            </a:r>
+            <a:r>
+              <a:rPr lang="en-US" sz="1050" dirty="0">
+                <a:solidFill>
+                  <a:srgbClr val="ABB2BF"/>
+                </a:solidFill>
+                <a:latin typeface="Menlo" charset="0"/>
+              </a:rPr>
+              <a:t> { </a:t>
+            </a:r>
+          </a:p>
+          <a:p>
+            <a:r>
+              <a:rPr lang="en-US" sz="1050" dirty="0" smtClean="0">
+                <a:solidFill>
+                  <a:srgbClr val="98C379"/>
+                </a:solidFill>
+                <a:latin typeface="Menlo" charset="0"/>
+              </a:rPr>
+              <a:t>      </a:t>
+            </a:r>
+            <a:r>
+              <a:rPr lang="en-US" sz="1050" dirty="0" err="1" smtClean="0">
+                <a:solidFill>
+                  <a:srgbClr val="98C379"/>
+                </a:solidFill>
+                <a:latin typeface="Menlo" charset="0"/>
+              </a:rPr>
+              <a:t>a_function</a:t>
+            </a:r>
+            <a:r>
+              <a:rPr lang="en-US" sz="1050" dirty="0">
+                <a:solidFill>
+                  <a:srgbClr val="ABB2BF"/>
+                </a:solidFill>
+                <a:latin typeface="Menlo" charset="0"/>
+              </a:rPr>
+              <a:t>: (</a:t>
+            </a:r>
+            <a:r>
+              <a:rPr lang="en-US" sz="1050" i="1" dirty="0">
+                <a:solidFill>
+                  <a:srgbClr val="D19A66"/>
+                </a:solidFill>
+                <a:latin typeface="Menlo" charset="0"/>
+              </a:rPr>
+              <a:t>x</a:t>
+            </a:r>
+            <a:r>
+              <a:rPr lang="en-US" sz="1050" dirty="0">
+                <a:solidFill>
+                  <a:srgbClr val="ABB2BF"/>
+                </a:solidFill>
+                <a:latin typeface="Menlo" charset="0"/>
+              </a:rPr>
+              <a:t>) </a:t>
+            </a:r>
+            <a:r>
+              <a:rPr lang="en-US" sz="1050" dirty="0">
+                <a:solidFill>
+                  <a:srgbClr val="56B6C2"/>
+                </a:solidFill>
+                <a:latin typeface="Menlo" charset="0"/>
+              </a:rPr>
+              <a:t>=&gt;</a:t>
+            </a:r>
+            <a:r>
+              <a:rPr lang="en-US" sz="1050" dirty="0">
+                <a:solidFill>
+                  <a:srgbClr val="ABB2BF"/>
+                </a:solidFill>
+                <a:latin typeface="Menlo" charset="0"/>
+              </a:rPr>
+              <a:t> x</a:t>
+            </a:r>
+            <a:r>
+              <a:rPr lang="en-US" sz="1050" dirty="0">
+                <a:solidFill>
+                  <a:srgbClr val="E06C75"/>
+                </a:solidFill>
+                <a:latin typeface="Menlo" charset="0"/>
+              </a:rPr>
+              <a:t>+</a:t>
+            </a:r>
+            <a:r>
+              <a:rPr lang="en-US" sz="1050" dirty="0">
+                <a:solidFill>
+                  <a:srgbClr val="C678DD"/>
+                </a:solidFill>
+                <a:latin typeface="Menlo" charset="0"/>
+              </a:rPr>
+              <a:t>1</a:t>
+            </a:r>
+            <a:r>
+              <a:rPr lang="en-US" sz="1050" dirty="0">
+                <a:solidFill>
+                  <a:srgbClr val="ABB2BF"/>
+                </a:solidFill>
+                <a:latin typeface="Menlo" charset="0"/>
+              </a:rPr>
+              <a:t>,</a:t>
+            </a:r>
+          </a:p>
+          <a:p>
+            <a:r>
+              <a:rPr lang="en-US" sz="1050" dirty="0" smtClean="0">
+                <a:solidFill>
+                  <a:srgbClr val="ABB2BF"/>
+                </a:solidFill>
+                <a:latin typeface="Menlo" charset="0"/>
+              </a:rPr>
+              <a:t>      </a:t>
+            </a:r>
+            <a:r>
+              <a:rPr lang="en-US" sz="1050" dirty="0" err="1" smtClean="0">
+                <a:solidFill>
+                  <a:srgbClr val="ABB2BF"/>
+                </a:solidFill>
+                <a:latin typeface="Menlo" charset="0"/>
+              </a:rPr>
+              <a:t>another_key</a:t>
+            </a:r>
+            <a:r>
+              <a:rPr lang="en-US" sz="1050" dirty="0">
+                <a:solidFill>
+                  <a:srgbClr val="ABB2BF"/>
+                </a:solidFill>
+                <a:latin typeface="Menlo" charset="0"/>
+              </a:rPr>
+              <a:t>: [</a:t>
+            </a:r>
+            <a:r>
+              <a:rPr lang="en-US" sz="1050" dirty="0">
+                <a:solidFill>
+                  <a:srgbClr val="E5C07B"/>
+                </a:solidFill>
+                <a:latin typeface="Menlo" charset="0"/>
+              </a:rPr>
+              <a:t>"Some"</a:t>
+            </a:r>
+            <a:r>
+              <a:rPr lang="en-US" sz="1050" dirty="0">
+                <a:solidFill>
+                  <a:srgbClr val="ABB2BF"/>
+                </a:solidFill>
+                <a:latin typeface="Menlo" charset="0"/>
+              </a:rPr>
+              <a:t>, </a:t>
+            </a:r>
+            <a:r>
+              <a:rPr lang="en-US" sz="1050" dirty="0">
+                <a:solidFill>
+                  <a:srgbClr val="E5C07B"/>
+                </a:solidFill>
+                <a:latin typeface="Menlo" charset="0"/>
+              </a:rPr>
+              <a:t>"Value"</a:t>
+            </a:r>
+            <a:r>
+              <a:rPr lang="en-US" sz="1050" dirty="0">
+                <a:solidFill>
+                  <a:srgbClr val="ABB2BF"/>
+                </a:solidFill>
+                <a:latin typeface="Menlo" charset="0"/>
+              </a:rPr>
+              <a:t>]</a:t>
+            </a:r>
+          </a:p>
+          <a:p>
+            <a:r>
+              <a:rPr lang="en-US" sz="1050" dirty="0" smtClean="0">
+                <a:solidFill>
+                  <a:srgbClr val="ABB2BF"/>
+                </a:solidFill>
+                <a:latin typeface="Menlo" charset="0"/>
+              </a:rPr>
+              <a:t>   }</a:t>
+            </a:r>
+            <a:endParaRPr lang="en-US" sz="1050" dirty="0">
+              <a:solidFill>
+                <a:srgbClr val="ABB2BF"/>
+              </a:solidFill>
+              <a:latin typeface="Menlo" charset="0"/>
+            </a:endParaRPr>
+          </a:p>
+          <a:p>
+            <a:r>
+              <a:rPr lang="en-US" sz="1050" dirty="0">
+                <a:solidFill>
+                  <a:srgbClr val="ABB2BF"/>
+                </a:solidFill>
+                <a:latin typeface="Menlo" charset="0"/>
+              </a:rPr>
+              <a:t/>
+            </a:r>
+            <a:br>
+              <a:rPr lang="en-US" sz="1050" dirty="0">
+                <a:solidFill>
+                  <a:srgbClr val="ABB2BF"/>
+                </a:solidFill>
+                <a:latin typeface="Menlo" charset="0"/>
+              </a:rPr>
+            </a:br>
+            <a:r>
+              <a:rPr lang="en-US" sz="1050" dirty="0">
+                <a:solidFill>
+                  <a:srgbClr val="56B6C2"/>
+                </a:solidFill>
+                <a:latin typeface="Menlo" charset="0"/>
+              </a:rPr>
+              <a:t>let</a:t>
+            </a:r>
+            <a:r>
+              <a:rPr lang="en-US" sz="1050" dirty="0">
+                <a:solidFill>
+                  <a:srgbClr val="ABB2BF"/>
+                </a:solidFill>
+                <a:latin typeface="Menlo" charset="0"/>
+              </a:rPr>
+              <a:t> </a:t>
+            </a:r>
+            <a:r>
+              <a:rPr lang="en-US" sz="1050" dirty="0" err="1">
+                <a:solidFill>
+                  <a:srgbClr val="ABB2BF"/>
+                </a:solidFill>
+                <a:latin typeface="Menlo" charset="0"/>
+              </a:rPr>
+              <a:t>a_thing_can_be_an_array</a:t>
+            </a:r>
+            <a:r>
+              <a:rPr lang="en-US" sz="1050" dirty="0">
+                <a:solidFill>
+                  <a:srgbClr val="ABB2BF"/>
+                </a:solidFill>
+                <a:latin typeface="Menlo" charset="0"/>
+              </a:rPr>
+              <a:t> </a:t>
+            </a:r>
+            <a:r>
+              <a:rPr lang="en-US" sz="1050" dirty="0">
+                <a:solidFill>
+                  <a:srgbClr val="E06C75"/>
+                </a:solidFill>
+                <a:latin typeface="Menlo" charset="0"/>
+              </a:rPr>
+              <a:t>=</a:t>
+            </a:r>
+            <a:r>
+              <a:rPr lang="en-US" sz="1050" dirty="0">
+                <a:solidFill>
+                  <a:srgbClr val="ABB2BF"/>
+                </a:solidFill>
+                <a:latin typeface="Menlo" charset="0"/>
+              </a:rPr>
+              <a:t> </a:t>
+            </a:r>
+            <a:r>
+              <a:rPr lang="en-US" sz="1050" dirty="0">
+                <a:solidFill>
+                  <a:srgbClr val="61AFEF"/>
+                </a:solidFill>
+                <a:latin typeface="Menlo" charset="0"/>
+              </a:rPr>
+              <a:t>Array</a:t>
+            </a:r>
+            <a:r>
+              <a:rPr lang="en-US" sz="1050" dirty="0">
+                <a:solidFill>
+                  <a:srgbClr val="ABB2BF"/>
+                </a:solidFill>
+                <a:latin typeface="Menlo" charset="0"/>
+              </a:rPr>
+              <a:t>()</a:t>
+            </a:r>
+          </a:p>
+          <a:p>
+            <a:r>
+              <a:rPr lang="en-US" sz="1050" dirty="0" smtClean="0">
+                <a:solidFill>
+                  <a:srgbClr val="ABB2BF"/>
+                </a:solidFill>
+                <a:latin typeface="Menlo" charset="0"/>
+              </a:rPr>
+              <a:t>   x </a:t>
+            </a:r>
+            <a:r>
+              <a:rPr lang="en-US" sz="1050" dirty="0">
+                <a:solidFill>
+                  <a:srgbClr val="E06C75"/>
+                </a:solidFill>
+                <a:latin typeface="Menlo" charset="0"/>
+              </a:rPr>
+              <a:t>=</a:t>
+            </a:r>
+            <a:r>
+              <a:rPr lang="en-US" sz="1050" dirty="0">
+                <a:solidFill>
+                  <a:srgbClr val="ABB2BF"/>
+                </a:solidFill>
+                <a:latin typeface="Menlo" charset="0"/>
+              </a:rPr>
+              <a:t> [</a:t>
+            </a:r>
+            <a:r>
+              <a:rPr lang="en-US" sz="1050" dirty="0">
+                <a:solidFill>
+                  <a:srgbClr val="E5C07B"/>
+                </a:solidFill>
+                <a:latin typeface="Menlo" charset="0"/>
+              </a:rPr>
+              <a:t>"</a:t>
+            </a:r>
+            <a:r>
+              <a:rPr lang="en-US" sz="1050" dirty="0" err="1">
+                <a:solidFill>
+                  <a:srgbClr val="E5C07B"/>
+                </a:solidFill>
+                <a:latin typeface="Menlo" charset="0"/>
+              </a:rPr>
+              <a:t>A"</a:t>
+            </a:r>
+            <a:r>
+              <a:rPr lang="en-US" sz="1050" dirty="0" err="1">
+                <a:solidFill>
+                  <a:srgbClr val="ABB2BF"/>
+                </a:solidFill>
+                <a:latin typeface="Menlo" charset="0"/>
+              </a:rPr>
+              <a:t>,</a:t>
+            </a:r>
+            <a:r>
+              <a:rPr lang="en-US" sz="1050" dirty="0" err="1">
+                <a:solidFill>
+                  <a:srgbClr val="E5C07B"/>
+                </a:solidFill>
+                <a:latin typeface="Menlo" charset="0"/>
+              </a:rPr>
+              <a:t>"Collection</a:t>
+            </a:r>
+            <a:r>
+              <a:rPr lang="en-US" sz="1050" dirty="0">
+                <a:solidFill>
+                  <a:srgbClr val="E5C07B"/>
+                </a:solidFill>
+                <a:latin typeface="Menlo" charset="0"/>
+              </a:rPr>
+              <a:t>"</a:t>
+            </a:r>
+            <a:r>
+              <a:rPr lang="en-US" sz="1050" dirty="0">
+                <a:solidFill>
+                  <a:srgbClr val="ABB2BF"/>
+                </a:solidFill>
+                <a:latin typeface="Menlo" charset="0"/>
+              </a:rPr>
+              <a:t>, </a:t>
+            </a:r>
+            <a:r>
+              <a:rPr lang="en-US" sz="1050" dirty="0">
+                <a:solidFill>
+                  <a:srgbClr val="E5C07B"/>
+                </a:solidFill>
+                <a:latin typeface="Menlo" charset="0"/>
+              </a:rPr>
+              <a:t>"of"</a:t>
+            </a:r>
+            <a:r>
+              <a:rPr lang="en-US" sz="1050" dirty="0">
+                <a:solidFill>
+                  <a:srgbClr val="ABB2BF"/>
+                </a:solidFill>
+                <a:latin typeface="Menlo" charset="0"/>
+              </a:rPr>
+              <a:t>, </a:t>
+            </a:r>
+            <a:r>
+              <a:rPr lang="en-US" sz="1050" dirty="0">
+                <a:solidFill>
+                  <a:srgbClr val="E5C07B"/>
+                </a:solidFill>
+                <a:latin typeface="Menlo" charset="0"/>
+              </a:rPr>
+              <a:t>"Multiple"</a:t>
+            </a:r>
+            <a:r>
+              <a:rPr lang="en-US" sz="1050" dirty="0">
+                <a:solidFill>
+                  <a:srgbClr val="ABB2BF"/>
+                </a:solidFill>
+                <a:latin typeface="Menlo" charset="0"/>
+              </a:rPr>
+              <a:t>, </a:t>
+            </a:r>
+            <a:r>
+              <a:rPr lang="en-US" sz="1050" dirty="0">
+                <a:solidFill>
+                  <a:srgbClr val="E5C07B"/>
+                </a:solidFill>
+                <a:latin typeface="Menlo" charset="0"/>
+              </a:rPr>
+              <a:t>"Things"</a:t>
+            </a:r>
+            <a:r>
+              <a:rPr lang="en-US" sz="1050" dirty="0">
+                <a:solidFill>
+                  <a:srgbClr val="ABB2BF"/>
+                </a:solidFill>
+                <a:latin typeface="Menlo" charset="0"/>
+              </a:rPr>
+              <a:t>]</a:t>
+            </a:r>
+          </a:p>
+          <a:p>
+            <a:r>
+              <a:rPr lang="en-US" sz="1050" dirty="0" smtClean="0">
+                <a:solidFill>
+                  <a:srgbClr val="ABB2BF"/>
+                </a:solidFill>
+                <a:latin typeface="Menlo" charset="0"/>
+              </a:rPr>
+              <a:t>   x </a:t>
+            </a:r>
+            <a:r>
+              <a:rPr lang="en-US" sz="1050" dirty="0">
+                <a:solidFill>
+                  <a:srgbClr val="E06C75"/>
+                </a:solidFill>
+                <a:latin typeface="Menlo" charset="0"/>
+              </a:rPr>
+              <a:t>=</a:t>
+            </a:r>
+            <a:r>
+              <a:rPr lang="en-US" sz="1050" dirty="0">
+                <a:solidFill>
+                  <a:srgbClr val="ABB2BF"/>
+                </a:solidFill>
+                <a:latin typeface="Menlo" charset="0"/>
+              </a:rPr>
+              <a:t> [ ]</a:t>
+            </a:r>
+          </a:p>
+          <a:p>
+            <a:r>
+              <a:rPr lang="en-US" sz="1050" dirty="0" smtClean="0">
+                <a:solidFill>
+                  <a:srgbClr val="ABB2BF"/>
+                </a:solidFill>
+                <a:latin typeface="Menlo" charset="0"/>
+              </a:rPr>
+              <a:t>   x </a:t>
+            </a:r>
+            <a:r>
+              <a:rPr lang="en-US" sz="1050" dirty="0">
+                <a:solidFill>
+                  <a:srgbClr val="E06C75"/>
+                </a:solidFill>
+                <a:latin typeface="Menlo" charset="0"/>
+              </a:rPr>
+              <a:t>=</a:t>
+            </a:r>
+            <a:r>
+              <a:rPr lang="en-US" sz="1050" dirty="0">
+                <a:solidFill>
+                  <a:srgbClr val="ABB2BF"/>
+                </a:solidFill>
+                <a:latin typeface="Menlo" charset="0"/>
+              </a:rPr>
+              <a:t> [</a:t>
+            </a:r>
+            <a:r>
+              <a:rPr lang="en-US" sz="1050" dirty="0">
+                <a:solidFill>
+                  <a:srgbClr val="C678DD"/>
+                </a:solidFill>
+                <a:latin typeface="Menlo" charset="0"/>
+              </a:rPr>
+              <a:t>123</a:t>
+            </a:r>
+            <a:r>
+              <a:rPr lang="en-US" sz="1050" dirty="0">
+                <a:solidFill>
+                  <a:srgbClr val="ABB2BF"/>
+                </a:solidFill>
+                <a:latin typeface="Menlo" charset="0"/>
+              </a:rPr>
+              <a:t>, </a:t>
+            </a:r>
+            <a:r>
+              <a:rPr lang="en-US" sz="1050" dirty="0">
+                <a:solidFill>
+                  <a:srgbClr val="56B6C2"/>
+                </a:solidFill>
+                <a:latin typeface="Menlo" charset="0"/>
+              </a:rPr>
+              <a:t>false</a:t>
+            </a:r>
+            <a:r>
+              <a:rPr lang="en-US" sz="1050" dirty="0">
+                <a:solidFill>
+                  <a:srgbClr val="ABB2BF"/>
+                </a:solidFill>
+                <a:latin typeface="Menlo" charset="0"/>
+              </a:rPr>
+              <a:t>, </a:t>
+            </a:r>
+            <a:r>
+              <a:rPr lang="en-US" sz="1050" dirty="0">
+                <a:solidFill>
+                  <a:srgbClr val="E5C07B"/>
+                </a:solidFill>
+                <a:latin typeface="Menlo" charset="0"/>
+              </a:rPr>
+              <a:t>"HELLO!"</a:t>
+            </a:r>
+            <a:r>
+              <a:rPr lang="en-US" sz="1050" dirty="0">
+                <a:solidFill>
+                  <a:srgbClr val="ABB2BF"/>
+                </a:solidFill>
+                <a:latin typeface="Menlo" charset="0"/>
+              </a:rPr>
+              <a:t>]</a:t>
+            </a:r>
+          </a:p>
+          <a:p>
+            <a:r>
+              <a:rPr lang="en-US" sz="1050" dirty="0">
+                <a:solidFill>
+                  <a:srgbClr val="ABB2BF"/>
+                </a:solidFill>
+                <a:latin typeface="Menlo" charset="0"/>
+              </a:rPr>
+              <a:t/>
+            </a:r>
+            <a:br>
+              <a:rPr lang="en-US" sz="1050" dirty="0">
+                <a:solidFill>
+                  <a:srgbClr val="ABB2BF"/>
+                </a:solidFill>
+                <a:latin typeface="Menlo" charset="0"/>
+              </a:rPr>
+            </a:br>
+            <a:r>
+              <a:rPr lang="en-US" sz="1050" dirty="0">
+                <a:solidFill>
+                  <a:srgbClr val="56B6C2"/>
+                </a:solidFill>
+                <a:latin typeface="Menlo" charset="0"/>
+              </a:rPr>
+              <a:t>let</a:t>
+            </a:r>
+            <a:r>
+              <a:rPr lang="en-US" sz="1050" dirty="0">
+                <a:solidFill>
+                  <a:srgbClr val="ABB2BF"/>
+                </a:solidFill>
+                <a:latin typeface="Menlo" charset="0"/>
+              </a:rPr>
+              <a:t> </a:t>
+            </a:r>
+            <a:r>
+              <a:rPr lang="en-US" sz="1050" dirty="0" err="1">
+                <a:solidFill>
+                  <a:srgbClr val="ABB2BF"/>
+                </a:solidFill>
+                <a:latin typeface="Menlo" charset="0"/>
+              </a:rPr>
+              <a:t>a_thing_can_be_a_boolean</a:t>
+            </a:r>
+            <a:r>
+              <a:rPr lang="en-US" sz="1050" dirty="0">
+                <a:solidFill>
+                  <a:srgbClr val="ABB2BF"/>
+                </a:solidFill>
+                <a:latin typeface="Menlo" charset="0"/>
+              </a:rPr>
+              <a:t> </a:t>
+            </a:r>
+            <a:r>
+              <a:rPr lang="en-US" sz="1050" dirty="0">
+                <a:solidFill>
+                  <a:srgbClr val="E06C75"/>
+                </a:solidFill>
+                <a:latin typeface="Menlo" charset="0"/>
+              </a:rPr>
+              <a:t>=</a:t>
+            </a:r>
+            <a:r>
+              <a:rPr lang="en-US" sz="1050" dirty="0">
+                <a:solidFill>
+                  <a:srgbClr val="ABB2BF"/>
+                </a:solidFill>
+                <a:latin typeface="Menlo" charset="0"/>
+              </a:rPr>
+              <a:t> </a:t>
+            </a:r>
+            <a:r>
+              <a:rPr lang="en-US" sz="1050" dirty="0">
+                <a:solidFill>
+                  <a:srgbClr val="61AFEF"/>
+                </a:solidFill>
+                <a:latin typeface="Menlo" charset="0"/>
+              </a:rPr>
+              <a:t>Boolean</a:t>
+            </a:r>
+            <a:r>
+              <a:rPr lang="en-US" sz="1050" dirty="0">
+                <a:solidFill>
+                  <a:srgbClr val="ABB2BF"/>
+                </a:solidFill>
+                <a:latin typeface="Menlo" charset="0"/>
+              </a:rPr>
+              <a:t>() </a:t>
+            </a:r>
+          </a:p>
+          <a:p>
+            <a:r>
+              <a:rPr lang="en-US" sz="1050" dirty="0" smtClean="0">
+                <a:solidFill>
+                  <a:srgbClr val="ABB2BF"/>
+                </a:solidFill>
+                <a:latin typeface="Menlo" charset="0"/>
+              </a:rPr>
+              <a:t>   x </a:t>
+            </a:r>
+            <a:r>
+              <a:rPr lang="en-US" sz="1050" dirty="0">
+                <a:solidFill>
+                  <a:srgbClr val="E06C75"/>
+                </a:solidFill>
+                <a:latin typeface="Menlo" charset="0"/>
+              </a:rPr>
+              <a:t>=</a:t>
+            </a:r>
+            <a:r>
+              <a:rPr lang="en-US" sz="1050" dirty="0">
+                <a:solidFill>
+                  <a:srgbClr val="ABB2BF"/>
+                </a:solidFill>
+                <a:latin typeface="Menlo" charset="0"/>
+              </a:rPr>
+              <a:t> </a:t>
+            </a:r>
+            <a:r>
+              <a:rPr lang="en-US" sz="1050" dirty="0">
+                <a:solidFill>
+                  <a:srgbClr val="56B6C2"/>
+                </a:solidFill>
+                <a:latin typeface="Menlo" charset="0"/>
+              </a:rPr>
+              <a:t>true</a:t>
+            </a:r>
+            <a:endParaRPr lang="en-US" sz="1050" dirty="0">
+              <a:solidFill>
+                <a:srgbClr val="ABB2BF"/>
+              </a:solidFill>
+              <a:latin typeface="Menlo" charset="0"/>
+            </a:endParaRPr>
+          </a:p>
+          <a:p>
+            <a:r>
+              <a:rPr lang="en-US" sz="1050" dirty="0" smtClean="0">
+                <a:solidFill>
+                  <a:srgbClr val="ABB2BF"/>
+                </a:solidFill>
+                <a:latin typeface="Menlo" charset="0"/>
+              </a:rPr>
+              <a:t>   x </a:t>
+            </a:r>
+            <a:r>
+              <a:rPr lang="en-US" sz="1050" dirty="0">
+                <a:solidFill>
+                  <a:srgbClr val="E06C75"/>
+                </a:solidFill>
+                <a:latin typeface="Menlo" charset="0"/>
+              </a:rPr>
+              <a:t>=</a:t>
+            </a:r>
+            <a:r>
+              <a:rPr lang="en-US" sz="1050" dirty="0">
+                <a:solidFill>
+                  <a:srgbClr val="ABB2BF"/>
+                </a:solidFill>
+                <a:latin typeface="Menlo" charset="0"/>
+              </a:rPr>
+              <a:t> </a:t>
+            </a:r>
+            <a:r>
+              <a:rPr lang="en-US" sz="1050" dirty="0">
+                <a:solidFill>
+                  <a:srgbClr val="56B6C2"/>
+                </a:solidFill>
+                <a:latin typeface="Menlo" charset="0"/>
+              </a:rPr>
+              <a:t>false</a:t>
+            </a:r>
+            <a:endParaRPr lang="en-US" sz="1050" dirty="0">
+              <a:solidFill>
+                <a:srgbClr val="ABB2BF"/>
+              </a:solidFill>
+              <a:latin typeface="Menlo" charset="0"/>
+            </a:endParaRPr>
+          </a:p>
+          <a:p>
+            <a:r>
+              <a:rPr lang="en-US" sz="1050" dirty="0">
+                <a:solidFill>
+                  <a:srgbClr val="ABB2BF"/>
+                </a:solidFill>
+                <a:latin typeface="Menlo" charset="0"/>
+              </a:rPr>
+              <a:t/>
+            </a:r>
+            <a:br>
+              <a:rPr lang="en-US" sz="1050" dirty="0">
+                <a:solidFill>
+                  <a:srgbClr val="ABB2BF"/>
+                </a:solidFill>
+                <a:latin typeface="Menlo" charset="0"/>
+              </a:rPr>
+            </a:br>
+            <a:r>
+              <a:rPr lang="en-US" sz="1050" dirty="0">
+                <a:solidFill>
+                  <a:srgbClr val="56B6C2"/>
+                </a:solidFill>
+                <a:latin typeface="Menlo" charset="0"/>
+              </a:rPr>
+              <a:t>let</a:t>
+            </a:r>
+            <a:r>
+              <a:rPr lang="en-US" sz="1050" dirty="0">
+                <a:solidFill>
+                  <a:srgbClr val="ABB2BF"/>
+                </a:solidFill>
+                <a:latin typeface="Menlo" charset="0"/>
+              </a:rPr>
+              <a:t> </a:t>
+            </a:r>
+            <a:r>
+              <a:rPr lang="en-US" sz="1050" dirty="0" err="1">
+                <a:solidFill>
+                  <a:srgbClr val="ABB2BF"/>
+                </a:solidFill>
+                <a:latin typeface="Menlo" charset="0"/>
+              </a:rPr>
+              <a:t>a_thing_can_be_a_function</a:t>
+            </a:r>
+            <a:r>
+              <a:rPr lang="en-US" sz="1050" dirty="0">
+                <a:solidFill>
+                  <a:srgbClr val="ABB2BF"/>
+                </a:solidFill>
+                <a:latin typeface="Menlo" charset="0"/>
+              </a:rPr>
+              <a:t> </a:t>
+            </a:r>
+            <a:r>
+              <a:rPr lang="en-US" sz="1050" dirty="0">
+                <a:solidFill>
+                  <a:srgbClr val="E06C75"/>
+                </a:solidFill>
+                <a:latin typeface="Menlo" charset="0"/>
+              </a:rPr>
+              <a:t>=</a:t>
+            </a:r>
+            <a:r>
+              <a:rPr lang="en-US" sz="1050" dirty="0">
+                <a:solidFill>
+                  <a:srgbClr val="ABB2BF"/>
+                </a:solidFill>
+                <a:latin typeface="Menlo" charset="0"/>
+              </a:rPr>
+              <a:t> </a:t>
+            </a:r>
+            <a:r>
+              <a:rPr lang="en-US" sz="1050" dirty="0">
+                <a:solidFill>
+                  <a:srgbClr val="61AFEF"/>
+                </a:solidFill>
+                <a:latin typeface="Menlo" charset="0"/>
+              </a:rPr>
+              <a:t>Function</a:t>
+            </a:r>
+            <a:r>
+              <a:rPr lang="en-US" sz="1050" dirty="0">
+                <a:solidFill>
+                  <a:srgbClr val="ABB2BF"/>
+                </a:solidFill>
+                <a:latin typeface="Menlo" charset="0"/>
+              </a:rPr>
+              <a:t>()</a:t>
+            </a:r>
+          </a:p>
+          <a:p>
+            <a:r>
+              <a:rPr lang="en-US" sz="1050" dirty="0" smtClean="0">
+                <a:solidFill>
+                  <a:srgbClr val="98C379"/>
+                </a:solidFill>
+                <a:latin typeface="Menlo" charset="0"/>
+              </a:rPr>
+              <a:t>   x</a:t>
+            </a:r>
+            <a:r>
+              <a:rPr lang="en-US" sz="1050" dirty="0" smtClean="0">
+                <a:solidFill>
+                  <a:srgbClr val="ABB2BF"/>
+                </a:solidFill>
+                <a:latin typeface="Menlo" charset="0"/>
+              </a:rPr>
+              <a:t> </a:t>
+            </a:r>
+            <a:r>
+              <a:rPr lang="en-US" sz="1050" dirty="0">
+                <a:solidFill>
+                  <a:srgbClr val="E06C75"/>
+                </a:solidFill>
+                <a:latin typeface="Menlo" charset="0"/>
+              </a:rPr>
+              <a:t>=</a:t>
+            </a:r>
+            <a:r>
+              <a:rPr lang="en-US" sz="1050" dirty="0">
+                <a:solidFill>
+                  <a:srgbClr val="ABB2BF"/>
+                </a:solidFill>
+                <a:latin typeface="Menlo" charset="0"/>
+              </a:rPr>
+              <a:t> </a:t>
+            </a:r>
+            <a:r>
+              <a:rPr lang="en-US" sz="1050" i="1" dirty="0">
+                <a:solidFill>
+                  <a:srgbClr val="D19A66"/>
+                </a:solidFill>
+                <a:latin typeface="Menlo" charset="0"/>
+              </a:rPr>
+              <a:t>input</a:t>
+            </a:r>
+            <a:r>
+              <a:rPr lang="en-US" sz="1050" dirty="0">
+                <a:solidFill>
+                  <a:srgbClr val="ABB2BF"/>
+                </a:solidFill>
+                <a:latin typeface="Menlo" charset="0"/>
+              </a:rPr>
+              <a:t> </a:t>
+            </a:r>
+            <a:r>
+              <a:rPr lang="en-US" sz="1050" dirty="0">
+                <a:solidFill>
+                  <a:srgbClr val="56B6C2"/>
+                </a:solidFill>
+                <a:latin typeface="Menlo" charset="0"/>
+              </a:rPr>
+              <a:t>=&gt;</a:t>
+            </a:r>
+            <a:r>
+              <a:rPr lang="en-US" sz="1050" dirty="0">
+                <a:solidFill>
+                  <a:srgbClr val="ABB2BF"/>
+                </a:solidFill>
+                <a:latin typeface="Menlo" charset="0"/>
+              </a:rPr>
+              <a:t> input </a:t>
+            </a:r>
+            <a:r>
+              <a:rPr lang="en-US" sz="1050" dirty="0">
+                <a:solidFill>
+                  <a:srgbClr val="E06C75"/>
+                </a:solidFill>
+                <a:latin typeface="Menlo" charset="0"/>
+              </a:rPr>
+              <a:t>+</a:t>
+            </a:r>
+            <a:r>
+              <a:rPr lang="en-US" sz="1050" dirty="0">
+                <a:solidFill>
+                  <a:srgbClr val="ABB2BF"/>
+                </a:solidFill>
+                <a:latin typeface="Menlo" charset="0"/>
+              </a:rPr>
+              <a:t> </a:t>
+            </a:r>
+            <a:r>
+              <a:rPr lang="en-US" sz="1050" dirty="0">
+                <a:solidFill>
+                  <a:srgbClr val="E5C07B"/>
+                </a:solidFill>
+                <a:latin typeface="Menlo" charset="0"/>
+              </a:rPr>
+              <a:t>":) Hello"</a:t>
+            </a:r>
+            <a:endParaRPr lang="en-US" sz="1050" dirty="0">
+              <a:solidFill>
+                <a:srgbClr val="ABB2BF"/>
+              </a:solidFill>
+              <a:latin typeface="Menlo" charset="0"/>
+            </a:endParaRPr>
+          </a:p>
+          <a:p>
+            <a:r>
+              <a:rPr lang="en-US" sz="1050" dirty="0" smtClean="0">
+                <a:solidFill>
+                  <a:srgbClr val="98C379"/>
+                </a:solidFill>
+                <a:latin typeface="Menlo" charset="0"/>
+              </a:rPr>
+              <a:t>   x</a:t>
+            </a:r>
+            <a:r>
+              <a:rPr lang="en-US" sz="1050" dirty="0" smtClean="0">
+                <a:solidFill>
+                  <a:srgbClr val="ABB2BF"/>
+                </a:solidFill>
+                <a:latin typeface="Menlo" charset="0"/>
+              </a:rPr>
+              <a:t> </a:t>
+            </a:r>
+            <a:r>
+              <a:rPr lang="en-US" sz="1050" dirty="0">
+                <a:solidFill>
+                  <a:srgbClr val="E06C75"/>
+                </a:solidFill>
+                <a:latin typeface="Menlo" charset="0"/>
+              </a:rPr>
+              <a:t>=</a:t>
+            </a:r>
+            <a:r>
+              <a:rPr lang="en-US" sz="1050" dirty="0">
+                <a:solidFill>
+                  <a:srgbClr val="ABB2BF"/>
+                </a:solidFill>
+                <a:latin typeface="Menlo" charset="0"/>
+              </a:rPr>
+              <a:t> (</a:t>
+            </a:r>
+            <a:r>
+              <a:rPr lang="en-US" sz="1050" i="1" dirty="0">
+                <a:solidFill>
+                  <a:srgbClr val="D19A66"/>
+                </a:solidFill>
+                <a:latin typeface="Menlo" charset="0"/>
+              </a:rPr>
+              <a:t>input</a:t>
+            </a:r>
+            <a:r>
+              <a:rPr lang="en-US" sz="1050" dirty="0">
+                <a:solidFill>
+                  <a:srgbClr val="ABB2BF"/>
+                </a:solidFill>
+                <a:latin typeface="Menlo" charset="0"/>
+              </a:rPr>
+              <a:t>) </a:t>
+            </a:r>
+            <a:r>
+              <a:rPr lang="en-US" sz="1050" dirty="0">
+                <a:solidFill>
+                  <a:srgbClr val="56B6C2"/>
+                </a:solidFill>
+                <a:latin typeface="Menlo" charset="0"/>
+              </a:rPr>
+              <a:t>=&gt;</a:t>
+            </a:r>
+            <a:r>
+              <a:rPr lang="en-US" sz="1050" dirty="0">
+                <a:solidFill>
+                  <a:srgbClr val="ABB2BF"/>
+                </a:solidFill>
+                <a:latin typeface="Menlo" charset="0"/>
+              </a:rPr>
+              <a:t> input </a:t>
+            </a:r>
+            <a:r>
+              <a:rPr lang="en-US" sz="1050" dirty="0">
+                <a:solidFill>
+                  <a:srgbClr val="E06C75"/>
+                </a:solidFill>
+                <a:latin typeface="Menlo" charset="0"/>
+              </a:rPr>
+              <a:t>+</a:t>
+            </a:r>
+            <a:r>
+              <a:rPr lang="en-US" sz="1050" dirty="0">
+                <a:solidFill>
+                  <a:srgbClr val="ABB2BF"/>
+                </a:solidFill>
+                <a:latin typeface="Menlo" charset="0"/>
+              </a:rPr>
+              <a:t> </a:t>
+            </a:r>
+            <a:r>
+              <a:rPr lang="en-US" sz="1050" dirty="0">
+                <a:solidFill>
+                  <a:srgbClr val="E5C07B"/>
+                </a:solidFill>
+                <a:latin typeface="Menlo" charset="0"/>
+              </a:rPr>
+              <a:t>":) Hello"</a:t>
+            </a:r>
+            <a:endParaRPr lang="en-US" sz="1050" dirty="0">
+              <a:solidFill>
+                <a:srgbClr val="ABB2BF"/>
+              </a:solidFill>
+              <a:latin typeface="Menlo" charset="0"/>
+            </a:endParaRPr>
+          </a:p>
+          <a:p>
+            <a:r>
+              <a:rPr lang="en-US" sz="1050" dirty="0" smtClean="0">
+                <a:solidFill>
+                  <a:srgbClr val="98C379"/>
+                </a:solidFill>
+                <a:latin typeface="Menlo" charset="0"/>
+              </a:rPr>
+              <a:t>   x</a:t>
+            </a:r>
+            <a:r>
+              <a:rPr lang="en-US" sz="1050" dirty="0" smtClean="0">
+                <a:solidFill>
+                  <a:srgbClr val="ABB2BF"/>
+                </a:solidFill>
+                <a:latin typeface="Menlo" charset="0"/>
+              </a:rPr>
+              <a:t> </a:t>
+            </a:r>
+            <a:r>
+              <a:rPr lang="en-US" sz="1050" dirty="0">
+                <a:solidFill>
+                  <a:srgbClr val="E06C75"/>
+                </a:solidFill>
+                <a:latin typeface="Menlo" charset="0"/>
+              </a:rPr>
+              <a:t>=</a:t>
+            </a:r>
+            <a:r>
+              <a:rPr lang="en-US" sz="1050" dirty="0">
+                <a:solidFill>
+                  <a:srgbClr val="ABB2BF"/>
+                </a:solidFill>
+                <a:latin typeface="Menlo" charset="0"/>
+              </a:rPr>
+              <a:t> () </a:t>
+            </a:r>
+            <a:r>
+              <a:rPr lang="en-US" sz="1050" dirty="0">
+                <a:solidFill>
+                  <a:srgbClr val="56B6C2"/>
+                </a:solidFill>
+                <a:latin typeface="Menlo" charset="0"/>
+              </a:rPr>
+              <a:t>=&gt;</a:t>
+            </a:r>
+            <a:r>
+              <a:rPr lang="en-US" sz="1050" dirty="0">
+                <a:solidFill>
+                  <a:srgbClr val="ABB2BF"/>
+                </a:solidFill>
+                <a:latin typeface="Menlo" charset="0"/>
+              </a:rPr>
+              <a:t> </a:t>
+            </a:r>
+            <a:r>
+              <a:rPr lang="en-US" sz="1050" dirty="0">
+                <a:solidFill>
+                  <a:srgbClr val="C678DD"/>
+                </a:solidFill>
+                <a:latin typeface="Menlo" charset="0"/>
+              </a:rPr>
+              <a:t>5</a:t>
+            </a:r>
+            <a:endParaRPr lang="en-US" sz="1050" dirty="0">
+              <a:solidFill>
+                <a:srgbClr val="ABB2BF"/>
+              </a:solidFill>
+              <a:latin typeface="Menlo" charset="0"/>
+            </a:endParaRPr>
+          </a:p>
+          <a:p>
+            <a:r>
+              <a:rPr lang="en-US" sz="1050" dirty="0" smtClean="0">
+                <a:solidFill>
+                  <a:srgbClr val="98C379"/>
+                </a:solidFill>
+                <a:latin typeface="Menlo" charset="0"/>
+              </a:rPr>
+              <a:t>   x</a:t>
+            </a:r>
+            <a:r>
+              <a:rPr lang="en-US" sz="1050" dirty="0" smtClean="0">
+                <a:solidFill>
+                  <a:srgbClr val="ABB2BF"/>
+                </a:solidFill>
+                <a:latin typeface="Menlo" charset="0"/>
+              </a:rPr>
+              <a:t> </a:t>
+            </a:r>
+            <a:r>
+              <a:rPr lang="en-US" sz="1050" dirty="0">
+                <a:solidFill>
+                  <a:srgbClr val="E06C75"/>
+                </a:solidFill>
+                <a:latin typeface="Menlo" charset="0"/>
+              </a:rPr>
+              <a:t>=</a:t>
+            </a:r>
+            <a:r>
+              <a:rPr lang="en-US" sz="1050" dirty="0">
+                <a:solidFill>
+                  <a:srgbClr val="ABB2BF"/>
+                </a:solidFill>
+                <a:latin typeface="Menlo" charset="0"/>
+              </a:rPr>
+              <a:t> (</a:t>
+            </a:r>
+            <a:r>
+              <a:rPr lang="en-US" sz="1050" i="1" dirty="0">
+                <a:solidFill>
+                  <a:srgbClr val="D19A66"/>
+                </a:solidFill>
+                <a:latin typeface="Menlo" charset="0"/>
+              </a:rPr>
+              <a:t>in1</a:t>
+            </a:r>
+            <a:r>
+              <a:rPr lang="en-US" sz="1050" dirty="0">
+                <a:solidFill>
+                  <a:srgbClr val="ABB2BF"/>
+                </a:solidFill>
+                <a:latin typeface="Menlo" charset="0"/>
+              </a:rPr>
+              <a:t>, </a:t>
+            </a:r>
+            <a:r>
+              <a:rPr lang="en-US" sz="1050" i="1" dirty="0">
+                <a:solidFill>
+                  <a:srgbClr val="D19A66"/>
+                </a:solidFill>
+                <a:latin typeface="Menlo" charset="0"/>
+              </a:rPr>
+              <a:t>in2</a:t>
+            </a:r>
+            <a:r>
+              <a:rPr lang="en-US" sz="1050" dirty="0">
+                <a:solidFill>
+                  <a:srgbClr val="ABB2BF"/>
+                </a:solidFill>
+                <a:latin typeface="Menlo" charset="0"/>
+              </a:rPr>
+              <a:t>) </a:t>
+            </a:r>
+            <a:r>
+              <a:rPr lang="en-US" sz="1050" dirty="0">
+                <a:solidFill>
+                  <a:srgbClr val="56B6C2"/>
+                </a:solidFill>
+                <a:latin typeface="Menlo" charset="0"/>
+              </a:rPr>
+              <a:t>=&gt;</a:t>
+            </a:r>
+            <a:r>
+              <a:rPr lang="en-US" sz="1050" dirty="0">
+                <a:solidFill>
+                  <a:srgbClr val="ABB2BF"/>
+                </a:solidFill>
+                <a:latin typeface="Menlo" charset="0"/>
+              </a:rPr>
+              <a:t> in1 </a:t>
+            </a:r>
+            <a:r>
+              <a:rPr lang="en-US" sz="1050" dirty="0">
+                <a:solidFill>
+                  <a:srgbClr val="E06C75"/>
+                </a:solidFill>
+                <a:latin typeface="Menlo" charset="0"/>
+              </a:rPr>
+              <a:t>*</a:t>
+            </a:r>
+            <a:r>
+              <a:rPr lang="en-US" sz="1050" dirty="0">
+                <a:solidFill>
+                  <a:srgbClr val="ABB2BF"/>
+                </a:solidFill>
+                <a:latin typeface="Menlo" charset="0"/>
+              </a:rPr>
+              <a:t> in2</a:t>
+            </a:r>
+          </a:p>
+          <a:p>
+            <a:r>
+              <a:rPr lang="en-US" sz="1050" dirty="0">
+                <a:solidFill>
+                  <a:srgbClr val="ABB2BF"/>
+                </a:solidFill>
+                <a:latin typeface="Menlo" charset="0"/>
+              </a:rPr>
+              <a:t/>
+            </a:r>
+            <a:br>
+              <a:rPr lang="en-US" sz="1050" dirty="0">
+                <a:solidFill>
+                  <a:srgbClr val="ABB2BF"/>
+                </a:solidFill>
+                <a:latin typeface="Menlo" charset="0"/>
+              </a:rPr>
+            </a:br>
+            <a:endParaRPr lang="en-US" sz="1050" b="0" dirty="0">
+              <a:solidFill>
+                <a:srgbClr val="ABB2BF"/>
+              </a:solidFill>
+              <a:effectLst/>
+              <a:latin typeface="Menlo" charset="0"/>
+            </a:endParaRPr>
+          </a:p>
+        </p:txBody>
+      </p:sp>
     </p:spTree>
     <p:extLst>
       <p:ext uri="{BB962C8B-B14F-4D97-AF65-F5344CB8AC3E}">
